--- a/Team Lucky Cat Project Presentation.pptx
+++ b/Team Lucky Cat Project Presentation.pptx
@@ -117,7 +117,7 @@
   </p:defaultTextStyle>
   <p:extLst>
     <p:ext uri="{EFAFB233-063F-42B5-8137-9DF3F51BA10A}">
-      <p15:sldGuideLst xmlns:p15="http://schemas.microsoft.com/office/powerpoint/2012/main"/>
+      <p15:sldGuideLst xmlns:p15="http://schemas.microsoft.com/office/powerpoint/2012/main" xmlns=""/>
     </p:ext>
   </p:extLst>
 </p:presentation>
@@ -4350,7 +4350,7 @@
   </p:txStyles>
   <p:extLst mod="1">
     <p:ext uri="{27BBF7A9-308A-43DC-89C8-2F10F3537804}">
-      <p15:sldGuideLst xmlns:p15="http://schemas.microsoft.com/office/powerpoint/2012/main">
+      <p15:sldGuideLst xmlns:p15="http://schemas.microsoft.com/office/powerpoint/2012/main" xmlns="">
         <p15:guide id="3" orient="horz" pos="1368">
           <p15:clr>
             <a:srgbClr val="F26B43"/>
@@ -4422,8 +4422,8 @@
         </p:nvSpPr>
         <p:spPr>
           <a:xfrm>
-            <a:off x="311760" y="781920"/>
-            <a:ext cx="8520120" cy="2052360"/>
+            <a:off x="836083" y="857250"/>
+            <a:ext cx="7418918" cy="1977030"/>
           </a:xfrm>
           <a:prstGeom prst="rect">
             <a:avLst/>
@@ -4443,31 +4443,39 @@
               </a:lnSpc>
             </a:pPr>
             <a:r>
-              <a:rPr lang="en-US" sz="4800" spc="-1" dirty="0" smtClean="0">
-                <a:solidFill>
-                  <a:srgbClr val="000000"/>
-                </a:solidFill>
-                <a:uFill>
-                  <a:solidFill>
-                    <a:srgbClr val="FFFFFF"/>
-                  </a:solidFill>
-                </a:uFill>
-                <a:latin typeface="Arial"/>
+              <a:rPr lang="en-US" sz="4800" b="1" spc="-1" dirty="0" smtClean="0">
+                <a:solidFill>
+                  <a:schemeClr val="tx1">
+                    <a:lumMod val="85000"/>
+                    <a:lumOff val="15000"/>
+                  </a:schemeClr>
+                </a:solidFill>
+                <a:uFill>
+                  <a:solidFill>
+                    <a:srgbClr val="FFFFFF"/>
+                  </a:solidFill>
+                </a:uFill>
+                <a:latin typeface="PT Sans Narrow"/>
                 <a:ea typeface="Arial"/>
+                <a:cs typeface="PT Sans Narrow"/>
               </a:rPr>
               <a:t>Mental Health Dashboard</a:t>
             </a:r>
-            <a:endParaRPr lang="en-US" sz="4800" b="0" strike="noStrike" spc="-1" dirty="0" smtClean="0">
+            <a:endParaRPr lang="en-US" sz="4800" b="1" strike="noStrike" spc="-1" dirty="0" smtClean="0">
               <a:solidFill>
-                <a:srgbClr val="000000"/>
+                <a:schemeClr val="tx1">
+                  <a:lumMod val="85000"/>
+                  <a:lumOff val="15000"/>
+                </a:schemeClr>
               </a:solidFill>
               <a:uFill>
                 <a:solidFill>
                   <a:srgbClr val="FFFFFF"/>
                 </a:solidFill>
               </a:uFill>
-              <a:latin typeface="Arial"/>
+              <a:latin typeface="PT Sans Narrow"/>
               <a:ea typeface="Arial"/>
+              <a:cs typeface="PT Sans Narrow"/>
             </a:endParaRPr>
           </a:p>
           <a:p>
@@ -4477,45 +4485,48 @@
               </a:lnSpc>
             </a:pPr>
             <a:r>
-              <a:rPr lang="en-US" sz="3600" b="0" strike="noStrike" spc="-1" dirty="0" smtClean="0">
-                <a:solidFill>
-                  <a:srgbClr val="000000"/>
-                </a:solidFill>
-                <a:uFill>
-                  <a:solidFill>
-                    <a:srgbClr val="FFFFFF"/>
-                  </a:solidFill>
-                </a:uFill>
-                <a:latin typeface="Arial"/>
+              <a:rPr lang="en-US" sz="3600" b="1" strike="noStrike" spc="-1" dirty="0" smtClean="0">
+                <a:solidFill>
+                  <a:srgbClr val="99CC99"/>
+                </a:solidFill>
+                <a:uFill>
+                  <a:solidFill>
+                    <a:srgbClr val="FFFFFF"/>
+                  </a:solidFill>
+                </a:uFill>
+                <a:latin typeface="PT Sans Narrow"/>
                 <a:ea typeface="Arial"/>
+                <a:cs typeface="PT Sans Narrow"/>
               </a:rPr>
               <a:t>Team </a:t>
             </a:r>
             <a:r>
-              <a:rPr lang="en-US" sz="3600" b="0" strike="noStrike" spc="-1" dirty="0">
-                <a:solidFill>
-                  <a:srgbClr val="000000"/>
-                </a:solidFill>
-                <a:uFill>
-                  <a:solidFill>
-                    <a:srgbClr val="FFFFFF"/>
-                  </a:solidFill>
-                </a:uFill>
-                <a:latin typeface="Arial"/>
+              <a:rPr lang="en-US" sz="3600" b="1" strike="noStrike" spc="-1" dirty="0">
+                <a:solidFill>
+                  <a:srgbClr val="99CC99"/>
+                </a:solidFill>
+                <a:uFill>
+                  <a:solidFill>
+                    <a:srgbClr val="FFFFFF"/>
+                  </a:solidFill>
+                </a:uFill>
+                <a:latin typeface="PT Sans Narrow"/>
                 <a:ea typeface="Arial"/>
+                <a:cs typeface="PT Sans Narrow"/>
               </a:rPr>
               <a:t>Lucky Cat</a:t>
             </a:r>
-            <a:endParaRPr lang="en-US" sz="3600" b="0" strike="noStrike" spc="-1" dirty="0">
+            <a:endParaRPr lang="en-US" sz="3600" b="1" strike="noStrike" spc="-1" dirty="0">
               <a:solidFill>
-                <a:srgbClr val="000000"/>
+                <a:srgbClr val="99CC99"/>
               </a:solidFill>
               <a:uFill>
                 <a:solidFill>
                   <a:srgbClr val="FFFFFF"/>
                 </a:solidFill>
               </a:uFill>
-              <a:latin typeface="Arial"/>
+              <a:latin typeface="PT Sans Narrow"/>
+              <a:cs typeface="PT Sans Narrow"/>
             </a:endParaRPr>
           </a:p>
         </p:txBody>
@@ -4558,8 +4569,9 @@
                     <a:srgbClr val="FFFFFF"/>
                   </a:solidFill>
                 </a:uFill>
-                <a:latin typeface="Arial"/>
+                <a:latin typeface="PT Sans Narrow"/>
                 <a:ea typeface="Arial"/>
+                <a:cs typeface="PT Sans Narrow"/>
               </a:rPr>
               <a:t>Big Data Hackathon - 2017</a:t>
             </a:r>
@@ -4572,7 +4584,8 @@
                   <a:srgbClr val="FFFFFF"/>
                 </a:solidFill>
               </a:uFill>
-              <a:latin typeface="Arial"/>
+              <a:latin typeface="PT Sans Narrow"/>
+              <a:cs typeface="PT Sans Narrow"/>
             </a:endParaRPr>
           </a:p>
         </p:txBody>
@@ -4585,7 +4598,7 @@
   <p:timing>
     <p:tnLst>
       <p:par>
-        <p:cTn id="1" dur="indefinite" restart="never" nodeType="tmRoot">
+        <p:cTn xmlns:p14="http://schemas.microsoft.com/office/powerpoint/2010/main" id="1" dur="indefinite" restart="never" nodeType="tmRoot">
           <p:childTnLst>
             <p:seq>
               <p:cTn id="2" nodeType="mainSeq"/>
@@ -4658,60 +4671,95 @@
               </a:lnSpc>
             </a:pPr>
             <a:r>
-              <a:rPr lang="en-US" sz="2800" spc="-1" dirty="0">
-                <a:solidFill>
-                  <a:srgbClr val="000000"/>
-                </a:solidFill>
-                <a:uFill>
-                  <a:solidFill>
-                    <a:srgbClr val="FFFFFF"/>
-                  </a:solidFill>
-                </a:uFill>
-                <a:latin typeface="Arial"/>
+              <a:rPr lang="en-US" sz="2800" b="1" spc="-1" dirty="0">
+                <a:solidFill>
+                  <a:schemeClr val="tx1">
+                    <a:lumMod val="85000"/>
+                    <a:lumOff val="15000"/>
+                  </a:schemeClr>
+                </a:solidFill>
+                <a:uFill>
+                  <a:solidFill>
+                    <a:srgbClr val="FFFFFF"/>
+                  </a:solidFill>
+                </a:uFill>
+                <a:latin typeface="PT Sans Narrow"/>
                 <a:ea typeface="Arial"/>
-              </a:rPr>
-              <a:t>	</a:t>
-            </a:r>
-            <a:r>
-              <a:rPr lang="en-US" sz="3600" spc="-1" dirty="0" smtClean="0">
-                <a:solidFill>
-                  <a:srgbClr val="000000"/>
-                </a:solidFill>
-                <a:uFill>
-                  <a:solidFill>
-                    <a:srgbClr val="FFFFFF"/>
-                  </a:solidFill>
-                </a:uFill>
-                <a:latin typeface="Arial"/>
+                <a:cs typeface="PT Sans Narrow"/>
+              </a:rPr>
+              <a:t> </a:t>
+            </a:r>
+            <a:r>
+              <a:rPr lang="en-US" sz="2800" b="1" spc="-1" dirty="0" smtClean="0">
+                <a:solidFill>
+                  <a:schemeClr val="tx1">
+                    <a:lumMod val="85000"/>
+                    <a:lumOff val="15000"/>
+                  </a:schemeClr>
+                </a:solidFill>
+                <a:uFill>
+                  <a:solidFill>
+                    <a:srgbClr val="FFFFFF"/>
+                  </a:solidFill>
+                </a:uFill>
+                <a:latin typeface="PT Sans Narrow"/>
                 <a:ea typeface="Arial"/>
+                <a:cs typeface="PT Sans Narrow"/>
+              </a:rPr>
+              <a:t>     </a:t>
+            </a:r>
+            <a:r>
+              <a:rPr lang="en-US" sz="3600" b="1" spc="-1" dirty="0" smtClean="0">
+                <a:solidFill>
+                  <a:schemeClr val="tx1">
+                    <a:lumMod val="85000"/>
+                    <a:lumOff val="15000"/>
+                  </a:schemeClr>
+                </a:solidFill>
+                <a:uFill>
+                  <a:solidFill>
+                    <a:srgbClr val="FFFFFF"/>
+                  </a:solidFill>
+                </a:uFill>
+                <a:latin typeface="PT Sans Narrow"/>
+                <a:ea typeface="Arial"/>
+                <a:cs typeface="PT Sans Narrow"/>
               </a:rPr>
               <a:t>The </a:t>
             </a:r>
             <a:r>
-              <a:rPr lang="en-US" sz="3600" spc="-1" dirty="0" smtClean="0">
-                <a:solidFill>
-                  <a:srgbClr val="000000"/>
-                </a:solidFill>
-                <a:uFill>
-                  <a:solidFill>
-                    <a:srgbClr val="FFFFFF"/>
-                  </a:solidFill>
-                </a:uFill>
-                <a:latin typeface="Arial"/>
+              <a:rPr lang="en-US" sz="3600" b="1" spc="-1" dirty="0" smtClean="0">
+                <a:solidFill>
+                  <a:schemeClr val="tx1">
+                    <a:lumMod val="85000"/>
+                    <a:lumOff val="15000"/>
+                  </a:schemeClr>
+                </a:solidFill>
+                <a:uFill>
+                  <a:solidFill>
+                    <a:srgbClr val="FFFFFF"/>
+                  </a:solidFill>
+                </a:uFill>
+                <a:latin typeface="PT Sans Narrow"/>
                 <a:ea typeface="Arial"/>
+                <a:cs typeface="PT Sans Narrow"/>
               </a:rPr>
               <a:t>Team</a:t>
             </a:r>
-            <a:endParaRPr lang="en-US" sz="1400" b="0" strike="noStrike" spc="-1" dirty="0">
+            <a:endParaRPr lang="en-US" sz="1400" b="1" strike="noStrike" spc="-1" dirty="0">
               <a:solidFill>
-                <a:srgbClr val="000000"/>
+                <a:schemeClr val="tx1">
+                  <a:lumMod val="85000"/>
+                  <a:lumOff val="15000"/>
+                </a:schemeClr>
               </a:solidFill>
               <a:uFill>
                 <a:solidFill>
                   <a:srgbClr val="FFFFFF"/>
                 </a:solidFill>
               </a:uFill>
-              <a:latin typeface="Arial"/>
+              <a:latin typeface="PT Sans Narrow"/>
+              <a:cs typeface="PT Sans Narrow"/>
             </a:endParaRPr>
           </a:p>
         </p:txBody>
@@ -4724,7 +4772,7 @@
         </p:nvSpPr>
         <p:spPr>
           <a:xfrm>
-            <a:off x="526094" y="1152360"/>
+            <a:off x="949415" y="1152360"/>
             <a:ext cx="3865798" cy="3416040"/>
           </a:xfrm>
           <a:prstGeom prst="rect">
@@ -4769,7 +4817,8 @@
                     <a:srgbClr val="FFFFFF"/>
                   </a:solidFill>
                 </a:uFill>
-                <a:latin typeface="Arial"/>
+                <a:latin typeface="PT Sans Narrow"/>
+                <a:cs typeface="PT Sans Narrow"/>
               </a:rPr>
               <a:t>Justin Wilkowski</a:t>
             </a:r>
@@ -4805,7 +4854,8 @@
                     <a:srgbClr val="FFFFFF"/>
                   </a:solidFill>
                 </a:uFill>
-                <a:latin typeface="Arial"/>
+                <a:latin typeface="PT Sans Narrow"/>
+                <a:cs typeface="PT Sans Narrow"/>
               </a:rPr>
               <a:t>Jacob </a:t>
             </a:r>
@@ -4822,7 +4872,8 @@
                     <a:srgbClr val="FFFFFF"/>
                   </a:solidFill>
                 </a:uFill>
-                <a:latin typeface="Arial"/>
+                <a:latin typeface="PT Sans Narrow"/>
+                <a:cs typeface="PT Sans Narrow"/>
               </a:rPr>
               <a:t>Larocca</a:t>
             </a:r>
@@ -4838,7 +4889,8 @@
                   <a:srgbClr val="FFFFFF"/>
                 </a:solidFill>
               </a:uFill>
-              <a:latin typeface="Arial"/>
+              <a:latin typeface="PT Sans Narrow"/>
+              <a:cs typeface="PT Sans Narrow"/>
             </a:endParaRPr>
           </a:p>
           <a:p>
@@ -4872,7 +4924,8 @@
                     <a:srgbClr val="FFFFFF"/>
                   </a:solidFill>
                 </a:uFill>
-                <a:latin typeface="Arial"/>
+                <a:latin typeface="PT Sans Narrow"/>
+                <a:cs typeface="PT Sans Narrow"/>
               </a:rPr>
               <a:t>Rick Zhang</a:t>
             </a:r>
@@ -4908,7 +4961,8 @@
                     <a:srgbClr val="FFFFFF"/>
                   </a:solidFill>
                 </a:uFill>
-                <a:latin typeface="Arial"/>
+                <a:latin typeface="PT Sans Narrow"/>
+                <a:cs typeface="PT Sans Narrow"/>
               </a:rPr>
               <a:t>Yiming</a:t>
             </a:r>
@@ -4925,7 +4979,8 @@
                     <a:srgbClr val="FFFFFF"/>
                   </a:solidFill>
                 </a:uFill>
-                <a:latin typeface="Arial"/>
+                <a:latin typeface="PT Sans Narrow"/>
+                <a:cs typeface="PT Sans Narrow"/>
               </a:rPr>
               <a:t> Chen</a:t>
             </a:r>
@@ -4941,7 +4996,8 @@
                   <a:srgbClr val="FFFFFF"/>
                 </a:solidFill>
               </a:uFill>
-              <a:latin typeface="Arial"/>
+              <a:latin typeface="PT Sans Narrow"/>
+              <a:cs typeface="PT Sans Narrow"/>
             </a:endParaRPr>
           </a:p>
         </p:txBody>
@@ -4999,7 +5055,8 @@
                     <a:srgbClr val="FFFFFF"/>
                   </a:solidFill>
                 </a:uFill>
-                <a:latin typeface="Arial"/>
+                <a:latin typeface="PT Sans Narrow"/>
+                <a:cs typeface="PT Sans Narrow"/>
               </a:rPr>
               <a:t>Alejandra Coronado</a:t>
             </a:r>
@@ -5035,7 +5092,8 @@
                     <a:srgbClr val="FFFFFF"/>
                   </a:solidFill>
                 </a:uFill>
-                <a:latin typeface="Arial"/>
+                <a:latin typeface="PT Sans Narrow"/>
+                <a:cs typeface="PT Sans Narrow"/>
               </a:rPr>
               <a:t>Sanchit</a:t>
             </a:r>
@@ -5052,7 +5110,8 @@
                     <a:srgbClr val="FFFFFF"/>
                   </a:solidFill>
                 </a:uFill>
-                <a:latin typeface="Arial"/>
+                <a:latin typeface="PT Sans Narrow"/>
+                <a:cs typeface="PT Sans Narrow"/>
               </a:rPr>
               <a:t> Arora</a:t>
             </a:r>
@@ -5088,7 +5147,8 @@
                     <a:srgbClr val="FFFFFF"/>
                   </a:solidFill>
                 </a:uFill>
-                <a:latin typeface="Arial"/>
+                <a:latin typeface="PT Sans Narrow"/>
+                <a:cs typeface="PT Sans Narrow"/>
               </a:rPr>
               <a:t>Vini</a:t>
             </a:r>
@@ -5105,7 +5165,8 @@
                     <a:srgbClr val="FFFFFF"/>
                   </a:solidFill>
                 </a:uFill>
-                <a:latin typeface="Arial"/>
+                <a:latin typeface="PT Sans Narrow"/>
+                <a:cs typeface="PT Sans Narrow"/>
               </a:rPr>
               <a:t> </a:t>
             </a:r>
@@ -5122,7 +5183,8 @@
                     <a:srgbClr val="FFFFFF"/>
                   </a:solidFill>
                 </a:uFill>
-                <a:latin typeface="Arial"/>
+                <a:latin typeface="PT Sans Narrow"/>
+                <a:cs typeface="PT Sans Narrow"/>
               </a:rPr>
               <a:t>Kalra</a:t>
             </a:r>
@@ -5138,7 +5200,8 @@
                   <a:srgbClr val="FFFFFF"/>
                 </a:solidFill>
               </a:uFill>
-              <a:latin typeface="Arial"/>
+              <a:latin typeface="PT Sans Narrow"/>
+              <a:cs typeface="PT Sans Narrow"/>
             </a:endParaRPr>
           </a:p>
           <a:p>
@@ -5172,7 +5235,8 @@
                     <a:srgbClr val="FFFFFF"/>
                   </a:solidFill>
                 </a:uFill>
-                <a:latin typeface="Arial"/>
+                <a:latin typeface="PT Sans Narrow"/>
+                <a:cs typeface="PT Sans Narrow"/>
               </a:rPr>
               <a:t>Hiram Riddle</a:t>
             </a:r>
@@ -5188,7 +5252,8 @@
                   <a:srgbClr val="FFFFFF"/>
                 </a:solidFill>
               </a:uFill>
-              <a:latin typeface="Arial"/>
+              <a:latin typeface="PT Sans Narrow"/>
+              <a:cs typeface="PT Sans Narrow"/>
             </a:endParaRPr>
           </a:p>
         </p:txBody>
@@ -5206,7 +5271,7 @@
   <p:timing>
     <p:tnLst>
       <p:par>
-        <p:cTn id="1" dur="indefinite" restart="never" nodeType="tmRoot">
+        <p:cTn xmlns:p14="http://schemas.microsoft.com/office/powerpoint/2010/main" id="1" dur="indefinite" restart="never" nodeType="tmRoot">
           <p:childTnLst>
             <p:seq>
               <p:cTn id="2" nodeType="mainSeq"/>
@@ -5279,45 +5344,95 @@
               </a:lnSpc>
             </a:pPr>
             <a:r>
-              <a:rPr lang="en-US" sz="2800" spc="-1" dirty="0">
-                <a:solidFill>
-                  <a:srgbClr val="000000"/>
-                </a:solidFill>
-                <a:uFill>
-                  <a:solidFill>
-                    <a:srgbClr val="FFFFFF"/>
-                  </a:solidFill>
-                </a:uFill>
-                <a:latin typeface="Arial"/>
+              <a:rPr lang="en-US" sz="2800" b="1" spc="-1" dirty="0">
+                <a:solidFill>
+                  <a:schemeClr val="tx1">
+                    <a:lumMod val="85000"/>
+                    <a:lumOff val="15000"/>
+                  </a:schemeClr>
+                </a:solidFill>
+                <a:uFill>
+                  <a:solidFill>
+                    <a:srgbClr val="FFFFFF"/>
+                  </a:solidFill>
+                </a:uFill>
+                <a:latin typeface="PT Sans Narrow"/>
                 <a:ea typeface="Arial"/>
-              </a:rPr>
-              <a:t>	</a:t>
-            </a:r>
-            <a:r>
-              <a:rPr lang="en-US" sz="3600" spc="-1" dirty="0" smtClean="0">
-                <a:solidFill>
-                  <a:srgbClr val="000000"/>
-                </a:solidFill>
-                <a:uFill>
-                  <a:solidFill>
-                    <a:srgbClr val="FFFFFF"/>
-                  </a:solidFill>
-                </a:uFill>
-                <a:latin typeface="Arial"/>
+                <a:cs typeface="PT Sans Narrow"/>
+              </a:rPr>
+              <a:t> </a:t>
+            </a:r>
+            <a:r>
+              <a:rPr lang="en-US" sz="2800" b="1" spc="-1" dirty="0" smtClean="0">
+                <a:solidFill>
+                  <a:schemeClr val="tx1">
+                    <a:lumMod val="85000"/>
+                    <a:lumOff val="15000"/>
+                  </a:schemeClr>
+                </a:solidFill>
+                <a:uFill>
+                  <a:solidFill>
+                    <a:srgbClr val="FFFFFF"/>
+                  </a:solidFill>
+                </a:uFill>
+                <a:latin typeface="PT Sans Narrow"/>
                 <a:ea typeface="Arial"/>
-              </a:rPr>
-              <a:t>The Problem</a:t>
-            </a:r>
-            <a:endParaRPr lang="en-US" sz="1400" b="0" strike="noStrike" spc="-1" dirty="0">
+                <a:cs typeface="PT Sans Narrow"/>
+              </a:rPr>
+              <a:t>    </a:t>
+            </a:r>
+            <a:r>
+              <a:rPr lang="en-US" sz="3600" b="1" spc="-1" dirty="0" smtClean="0">
+                <a:solidFill>
+                  <a:schemeClr val="tx1">
+                    <a:lumMod val="85000"/>
+                    <a:lumOff val="15000"/>
+                  </a:schemeClr>
+                </a:solidFill>
+                <a:uFill>
+                  <a:solidFill>
+                    <a:srgbClr val="FFFFFF"/>
+                  </a:solidFill>
+                </a:uFill>
+                <a:latin typeface="PT Sans Narrow"/>
+                <a:ea typeface="Arial"/>
+                <a:cs typeface="PT Sans Narrow"/>
+              </a:rPr>
+              <a:t>The </a:t>
+            </a:r>
+            <a:r>
+              <a:rPr lang="en-US" sz="3600" b="1" spc="-1" dirty="0" smtClean="0">
+                <a:solidFill>
+                  <a:schemeClr val="tx1">
+                    <a:lumMod val="85000"/>
+                    <a:lumOff val="15000"/>
+                  </a:schemeClr>
+                </a:solidFill>
+                <a:uFill>
+                  <a:solidFill>
+                    <a:srgbClr val="FFFFFF"/>
+                  </a:solidFill>
+                </a:uFill>
+                <a:latin typeface="PT Sans Narrow"/>
+                <a:ea typeface="Arial"/>
+                <a:cs typeface="PT Sans Narrow"/>
+              </a:rPr>
+              <a:t>Problem</a:t>
+            </a:r>
+            <a:endParaRPr lang="en-US" sz="1400" b="1" strike="noStrike" spc="-1" dirty="0">
               <a:solidFill>
-                <a:srgbClr val="000000"/>
+                <a:schemeClr val="tx1">
+                  <a:lumMod val="85000"/>
+                  <a:lumOff val="15000"/>
+                </a:schemeClr>
               </a:solidFill>
               <a:uFill>
                 <a:solidFill>
                   <a:srgbClr val="FFFFFF"/>
                 </a:solidFill>
               </a:uFill>
-              <a:latin typeface="Arial"/>
+              <a:latin typeface="PT Sans Narrow"/>
+              <a:cs typeface="PT Sans Narrow"/>
             </a:endParaRPr>
           </a:p>
         </p:txBody>
@@ -5330,7 +5445,7 @@
         </p:nvSpPr>
         <p:spPr>
           <a:xfrm>
-            <a:off x="526093" y="1152360"/>
+            <a:off x="688931" y="1152360"/>
             <a:ext cx="8455069" cy="3416040"/>
           </a:xfrm>
           <a:prstGeom prst="rect">
@@ -5360,9 +5475,9 @@
                     <a:lumOff val="35000"/>
                   </a:schemeClr>
                 </a:solidFill>
-                <a:latin typeface="Arial" charset="0"/>
+                <a:latin typeface="PT Sans Narrow"/>
                 <a:ea typeface="Arial" charset="0"/>
-                <a:cs typeface="Arial" charset="0"/>
+                <a:cs typeface="PT Sans Narrow"/>
               </a:rPr>
               <a:t>How can we analyze public health data and provide some recommendations for intervention and policy changes</a:t>
             </a:r>
@@ -5374,9 +5489,9 @@
                     <a:lumOff val="35000"/>
                   </a:schemeClr>
                 </a:solidFill>
-                <a:latin typeface="Arial" charset="0"/>
+                <a:latin typeface="PT Sans Narrow"/>
                 <a:ea typeface="Arial" charset="0"/>
-                <a:cs typeface="Arial" charset="0"/>
+                <a:cs typeface="PT Sans Narrow"/>
               </a:rPr>
               <a:t>?</a:t>
             </a:r>
@@ -5392,9 +5507,9 @@
                   <a:srgbClr val="FFFFFF"/>
                 </a:solidFill>
               </a:uFill>
-              <a:latin typeface="Arial" charset="0"/>
+              <a:latin typeface="PT Sans Narrow"/>
               <a:ea typeface="Arial" charset="0"/>
-              <a:cs typeface="Arial" charset="0"/>
+              <a:cs typeface="PT Sans Narrow"/>
             </a:endParaRPr>
           </a:p>
           <a:p>
@@ -5415,10 +5530,27 @@
                     <a:srgbClr val="FFFFFF"/>
                   </a:solidFill>
                 </a:uFill>
-                <a:latin typeface="Arial"/>
+                <a:latin typeface="PT Sans Narrow"/>
                 <a:ea typeface="Arial"/>
-              </a:rPr>
-              <a:t>How </a:t>
+                <a:cs typeface="PT Sans Narrow"/>
+              </a:rPr>
+              <a:t>How do factors in the communities around </a:t>
+            </a:r>
+            <a:r>
+              <a:rPr lang="en-US" sz="2000" b="0" strike="noStrike" spc="-1" dirty="0">
+                <a:solidFill>
+                  <a:srgbClr val="595959"/>
+                </a:solidFill>
+                <a:uFill>
+                  <a:solidFill>
+                    <a:srgbClr val="FFFFFF"/>
+                  </a:solidFill>
+                </a:uFill>
+                <a:latin typeface="PT Sans Narrow"/>
+                <a:ea typeface="Arial"/>
+                <a:cs typeface="PT Sans Narrow"/>
+              </a:rPr>
+              <a:t>you affect your </a:t>
             </a:r>
             <a:r>
               <a:rPr lang="en-US" sz="2000" b="0" strike="noStrike" spc="-1" dirty="0" smtClean="0">
@@ -5430,38 +5562,9 @@
                     <a:srgbClr val="FFFFFF"/>
                   </a:solidFill>
                 </a:uFill>
-                <a:latin typeface="Arial"/>
+                <a:latin typeface="PT Sans Narrow"/>
                 <a:ea typeface="Arial"/>
-              </a:rPr>
-              <a:t>do factors in the communities around </a:t>
-            </a:r>
-            <a:r>
-              <a:rPr lang="en-US" sz="2000" b="0" strike="noStrike" spc="-1" dirty="0">
-                <a:solidFill>
-                  <a:srgbClr val="595959"/>
-                </a:solidFill>
-                <a:uFill>
-                  <a:solidFill>
-                    <a:srgbClr val="FFFFFF"/>
-                  </a:solidFill>
-                </a:uFill>
-                <a:latin typeface="Arial"/>
-                <a:ea typeface="Arial"/>
-              </a:rPr>
-              <a:t>you affect your </a:t>
-            </a:r>
-            <a:r>
-              <a:rPr lang="en-US" sz="2000" b="0" strike="noStrike" spc="-1" dirty="0" smtClean="0">
-                <a:solidFill>
-                  <a:srgbClr val="595959"/>
-                </a:solidFill>
-                <a:uFill>
-                  <a:solidFill>
-                    <a:srgbClr val="FFFFFF"/>
-                  </a:solidFill>
-                </a:uFill>
-                <a:latin typeface="Arial"/>
-                <a:ea typeface="Arial"/>
+                <a:cs typeface="PT Sans Narrow"/>
               </a:rPr>
               <a:t>mental health?</a:t>
             </a:r>
@@ -5475,7 +5578,8 @@
                     <a:srgbClr val="FFFFFF"/>
                   </a:solidFill>
                 </a:uFill>
-                <a:latin typeface="Arial"/>
+                <a:latin typeface="PT Sans Narrow"/>
+                <a:cs typeface="PT Sans Narrow"/>
               </a:rPr>
               <a:t> </a:t>
             </a:r>
@@ -5488,7 +5592,8 @@
                   <a:srgbClr val="FFFFFF"/>
                 </a:solidFill>
               </a:uFill>
-              <a:latin typeface="Arial"/>
+              <a:latin typeface="PT Sans Narrow"/>
+              <a:cs typeface="PT Sans Narrow"/>
             </a:endParaRPr>
           </a:p>
           <a:p>
@@ -5509,8 +5614,9 @@
                     <a:srgbClr val="FFFFFF"/>
                   </a:solidFill>
                 </a:uFill>
-                <a:latin typeface="Arial"/>
+                <a:latin typeface="PT Sans Narrow"/>
                 <a:ea typeface="Arial"/>
+                <a:cs typeface="PT Sans Narrow"/>
               </a:rPr>
               <a:t>There are ample applications for tracking your physical health.</a:t>
             </a:r>
@@ -5533,25 +5639,11 @@
                     <a:srgbClr val="FFFFFF"/>
                   </a:solidFill>
                 </a:uFill>
-                <a:latin typeface="Arial"/>
+                <a:latin typeface="PT Sans Narrow"/>
                 <a:ea typeface="Arial"/>
-              </a:rPr>
-              <a:t>Mental health isn’t well understood and needs </a:t>
-            </a:r>
-            <a:r>
-              <a:rPr lang="en-US" sz="2000" b="0" strike="noStrike" spc="-1" dirty="0" smtClean="0">
-                <a:solidFill>
-                  <a:srgbClr val="595959"/>
-                </a:solidFill>
-                <a:uFill>
-                  <a:solidFill>
-                    <a:srgbClr val="FFFFFF"/>
-                  </a:solidFill>
-                </a:uFill>
-                <a:latin typeface="Arial"/>
-                <a:ea typeface="Arial"/>
-              </a:rPr>
-              <a:t>analysis.</a:t>
+                <a:cs typeface="PT Sans Narrow"/>
+              </a:rPr>
+              <a:t>Mental health isn’t well understood and needs analysis.</a:t>
             </a:r>
             <a:endParaRPr lang="en-US" sz="2000" b="0" strike="noStrike" spc="-1" dirty="0">
               <a:solidFill>
@@ -5562,7 +5654,8 @@
                   <a:srgbClr val="FFFFFF"/>
                 </a:solidFill>
               </a:uFill>
-              <a:latin typeface="Arial"/>
+              <a:latin typeface="PT Sans Narrow"/>
+              <a:cs typeface="PT Sans Narrow"/>
             </a:endParaRPr>
           </a:p>
         </p:txBody>
@@ -5575,7 +5668,7 @@
   <p:timing>
     <p:tnLst>
       <p:par>
-        <p:cTn id="1" dur="indefinite" restart="never" nodeType="tmRoot">
+        <p:cTn xmlns:p14="http://schemas.microsoft.com/office/powerpoint/2010/main" id="1" dur="indefinite" restart="never" nodeType="tmRoot">
           <p:childTnLst>
             <p:seq>
               <p:cTn id="2" nodeType="mainSeq"/>
@@ -5648,45 +5741,95 @@
               </a:lnSpc>
             </a:pPr>
             <a:r>
-              <a:rPr lang="en-US" sz="3600" spc="-1" dirty="0">
-                <a:solidFill>
-                  <a:srgbClr val="000000"/>
-                </a:solidFill>
-                <a:uFill>
-                  <a:solidFill>
-                    <a:srgbClr val="FFFFFF"/>
-                  </a:solidFill>
-                </a:uFill>
-                <a:latin typeface="Arial"/>
+              <a:rPr lang="en-US" sz="3600" b="1" spc="-1" dirty="0">
+                <a:solidFill>
+                  <a:schemeClr val="tx1">
+                    <a:lumMod val="85000"/>
+                    <a:lumOff val="15000"/>
+                  </a:schemeClr>
+                </a:solidFill>
+                <a:uFill>
+                  <a:solidFill>
+                    <a:srgbClr val="FFFFFF"/>
+                  </a:solidFill>
+                </a:uFill>
+                <a:latin typeface="PT Sans Narrow"/>
                 <a:ea typeface="Arial"/>
-              </a:rPr>
-              <a:t>	</a:t>
-            </a:r>
-            <a:r>
-              <a:rPr lang="en-US" sz="3600" spc="-1" dirty="0" smtClean="0">
-                <a:solidFill>
-                  <a:srgbClr val="000000"/>
-                </a:solidFill>
-                <a:uFill>
-                  <a:solidFill>
-                    <a:srgbClr val="FFFFFF"/>
-                  </a:solidFill>
-                </a:uFill>
-                <a:latin typeface="Arial"/>
+                <a:cs typeface="PT Sans Narrow"/>
+              </a:rPr>
+              <a:t> </a:t>
+            </a:r>
+            <a:r>
+              <a:rPr lang="en-US" sz="3600" b="1" spc="-1" dirty="0" smtClean="0">
+                <a:solidFill>
+                  <a:schemeClr val="tx1">
+                    <a:lumMod val="85000"/>
+                    <a:lumOff val="15000"/>
+                  </a:schemeClr>
+                </a:solidFill>
+                <a:uFill>
+                  <a:solidFill>
+                    <a:srgbClr val="FFFFFF"/>
+                  </a:solidFill>
+                </a:uFill>
+                <a:latin typeface="PT Sans Narrow"/>
                 <a:ea typeface="Arial"/>
-              </a:rPr>
-              <a:t>The Mental Health Dashboard</a:t>
-            </a:r>
-            <a:endParaRPr lang="en-US" sz="3600" b="0" strike="noStrike" spc="-1" dirty="0">
+                <a:cs typeface="PT Sans Narrow"/>
+              </a:rPr>
+              <a:t>    </a:t>
+            </a:r>
+            <a:r>
+              <a:rPr lang="en-US" sz="3600" b="1" spc="-1" dirty="0" smtClean="0">
+                <a:solidFill>
+                  <a:schemeClr val="tx1">
+                    <a:lumMod val="85000"/>
+                    <a:lumOff val="15000"/>
+                  </a:schemeClr>
+                </a:solidFill>
+                <a:uFill>
+                  <a:solidFill>
+                    <a:srgbClr val="FFFFFF"/>
+                  </a:solidFill>
+                </a:uFill>
+                <a:latin typeface="PT Sans Narrow"/>
+                <a:ea typeface="Arial"/>
+                <a:cs typeface="PT Sans Narrow"/>
+              </a:rPr>
+              <a:t>Mental </a:t>
+            </a:r>
+            <a:r>
+              <a:rPr lang="en-US" sz="3600" b="1" spc="-1" dirty="0" smtClean="0">
+                <a:solidFill>
+                  <a:schemeClr val="tx1">
+                    <a:lumMod val="85000"/>
+                    <a:lumOff val="15000"/>
+                  </a:schemeClr>
+                </a:solidFill>
+                <a:uFill>
+                  <a:solidFill>
+                    <a:srgbClr val="FFFFFF"/>
+                  </a:solidFill>
+                </a:uFill>
+                <a:latin typeface="PT Sans Narrow"/>
+                <a:ea typeface="Arial"/>
+                <a:cs typeface="PT Sans Narrow"/>
+              </a:rPr>
+              <a:t>Health Dashboard</a:t>
+            </a:r>
+            <a:endParaRPr lang="en-US" sz="3600" b="1" strike="noStrike" spc="-1" dirty="0">
               <a:solidFill>
-                <a:srgbClr val="000000"/>
+                <a:schemeClr val="tx1">
+                  <a:lumMod val="85000"/>
+                  <a:lumOff val="15000"/>
+                </a:schemeClr>
               </a:solidFill>
               <a:uFill>
                 <a:solidFill>
                   <a:srgbClr val="FFFFFF"/>
                 </a:solidFill>
               </a:uFill>
-              <a:latin typeface="Arial"/>
+              <a:latin typeface="PT Sans Narrow"/>
+              <a:cs typeface="PT Sans Narrow"/>
             </a:endParaRPr>
           </a:p>
         </p:txBody>
@@ -5699,7 +5842,7 @@
         </p:nvSpPr>
         <p:spPr>
           <a:xfrm>
-            <a:off x="526092" y="1152360"/>
+            <a:off x="684842" y="1172303"/>
             <a:ext cx="8305787" cy="3416040"/>
           </a:xfrm>
           <a:prstGeom prst="rect">
@@ -5731,8 +5874,9 @@
                     <a:srgbClr val="FFFFFF"/>
                   </a:solidFill>
                 </a:uFill>
-                <a:latin typeface="Arial"/>
+                <a:latin typeface="PT Sans Narrow"/>
                 <a:ea typeface="Arial"/>
+                <a:cs typeface="PT Sans Narrow"/>
               </a:rPr>
               <a:t>Gathers behavioral problem data and healthy community data.</a:t>
             </a:r>
@@ -5755,10 +5899,43 @@
                     <a:srgbClr val="FFFFFF"/>
                   </a:solidFill>
                 </a:uFill>
-                <a:latin typeface="Arial"/>
+                <a:latin typeface="PT Sans Narrow"/>
                 <a:ea typeface="Arial"/>
-              </a:rPr>
-              <a:t>Generates a correlation between illness and community factors. to </a:t>
+                <a:cs typeface="PT Sans Narrow"/>
+              </a:rPr>
+              <a:t>Generates a correlation between illness and community </a:t>
+            </a:r>
+            <a:r>
+              <a:rPr lang="en-US" sz="2000" spc="-1" dirty="0" smtClean="0">
+                <a:solidFill>
+                  <a:srgbClr val="595959"/>
+                </a:solidFill>
+                <a:uFill>
+                  <a:solidFill>
+                    <a:srgbClr val="FFFFFF"/>
+                  </a:solidFill>
+                </a:uFill>
+                <a:latin typeface="PT Sans Narrow"/>
+                <a:ea typeface="Arial"/>
+                <a:cs typeface="PT Sans Narrow"/>
+              </a:rPr>
+              <a:t>factors </a:t>
+            </a:r>
+            <a:r>
+              <a:rPr lang="en-US" sz="2000" spc="-1" dirty="0" smtClean="0">
+                <a:solidFill>
+                  <a:srgbClr val="595959"/>
+                </a:solidFill>
+                <a:uFill>
+                  <a:solidFill>
+                    <a:srgbClr val="FFFFFF"/>
+                  </a:solidFill>
+                </a:uFill>
+                <a:latin typeface="PT Sans Narrow"/>
+                <a:ea typeface="Arial"/>
+                <a:cs typeface="PT Sans Narrow"/>
+              </a:rPr>
+              <a:t>to </a:t>
             </a:r>
             <a:r>
               <a:rPr lang="en-US" sz="2000" spc="-1" dirty="0">
@@ -5770,8 +5947,9 @@
                     <a:srgbClr val="FFFFFF"/>
                   </a:solidFill>
                 </a:uFill>
-                <a:latin typeface="Arial"/>
+                <a:latin typeface="PT Sans Narrow"/>
                 <a:ea typeface="Arial"/>
+                <a:cs typeface="PT Sans Narrow"/>
               </a:rPr>
               <a:t>find predictors of </a:t>
             </a:r>
@@ -5785,8 +5963,9 @@
                     <a:srgbClr val="FFFFFF"/>
                   </a:solidFill>
                 </a:uFill>
-                <a:latin typeface="Arial"/>
+                <a:latin typeface="PT Sans Narrow"/>
                 <a:ea typeface="Arial"/>
+                <a:cs typeface="PT Sans Narrow"/>
               </a:rPr>
               <a:t>mental health issues.</a:t>
             </a:r>
@@ -5799,7 +5978,8 @@
                   <a:srgbClr val="FFFFFF"/>
                 </a:solidFill>
               </a:uFill>
-              <a:latin typeface="Arial"/>
+              <a:latin typeface="PT Sans Narrow"/>
+              <a:cs typeface="PT Sans Narrow"/>
             </a:endParaRPr>
           </a:p>
           <a:p>
@@ -5820,8 +6000,9 @@
                     <a:srgbClr val="FFFFFF"/>
                   </a:solidFill>
                 </a:uFill>
-                <a:latin typeface="Arial"/>
+                <a:latin typeface="PT Sans Narrow"/>
                 <a:ea typeface="Arial"/>
+                <a:cs typeface="PT Sans Narrow"/>
               </a:rPr>
               <a:t>Generates an interactive map of counties and their respective rates of illness, community health.</a:t>
             </a:r>
@@ -5844,8 +6025,9 @@
                     <a:srgbClr val="FFFFFF"/>
                   </a:solidFill>
                 </a:uFill>
-                <a:latin typeface="Arial"/>
+                <a:latin typeface="PT Sans Narrow"/>
                 <a:ea typeface="Arial"/>
+                <a:cs typeface="PT Sans Narrow"/>
               </a:rPr>
               <a:t>Users can input data and get recommendations based on analyzed data.</a:t>
             </a:r>
@@ -5858,7 +6040,8 @@
                   <a:srgbClr val="FFFFFF"/>
                 </a:solidFill>
               </a:uFill>
-              <a:latin typeface="Arial"/>
+              <a:latin typeface="PT Sans Narrow"/>
+              <a:cs typeface="PT Sans Narrow"/>
             </a:endParaRPr>
           </a:p>
         </p:txBody>
@@ -5871,7 +6054,7 @@
   <p:timing>
     <p:tnLst>
       <p:par>
-        <p:cTn id="1" dur="indefinite" restart="never" nodeType="tmRoot">
+        <p:cTn xmlns:p14="http://schemas.microsoft.com/office/powerpoint/2010/main" id="1" dur="indefinite" restart="never" nodeType="tmRoot">
           <p:childTnLst>
             <p:seq>
               <p:cTn id="2" nodeType="mainSeq"/>
@@ -5944,67 +6127,30 @@
               </a:lnSpc>
             </a:pPr>
             <a:r>
-              <a:rPr lang="en-US" sz="3600" b="0" strike="noStrike" spc="-1" dirty="0" smtClean="0">
-                <a:solidFill>
-                  <a:srgbClr val="000000"/>
-                </a:solidFill>
-                <a:uFill>
-                  <a:solidFill>
-                    <a:srgbClr val="FFFFFF"/>
-                  </a:solidFill>
-                </a:uFill>
-                <a:latin typeface="Arial"/>
+              <a:rPr lang="en-US" sz="3600" b="1" spc="-1" dirty="0">
+                <a:solidFill>
+                  <a:schemeClr val="tx1">
+                    <a:lumMod val="85000"/>
+                    <a:lumOff val="15000"/>
+                  </a:schemeClr>
+                </a:solidFill>
+                <a:uFill>
+                  <a:solidFill>
+                    <a:srgbClr val="FFFFFF"/>
+                  </a:solidFill>
+                </a:uFill>
+                <a:latin typeface="PT Sans"/>
                 <a:ea typeface="Arial"/>
-              </a:rPr>
-              <a:t>	Datasets</a:t>
-            </a:r>
-            <a:endParaRPr lang="en-US" sz="3600" b="0" strike="noStrike" spc="-1" dirty="0">
-              <a:solidFill>
-                <a:srgbClr val="000000"/>
-              </a:solidFill>
-              <a:uFill>
-                <a:solidFill>
-                  <a:srgbClr val="FFFFFF"/>
-                </a:solidFill>
-              </a:uFill>
-              <a:latin typeface="Arial"/>
-            </a:endParaRPr>
-          </a:p>
-        </p:txBody>
-      </p:sp>
-      <p:sp>
-        <p:nvSpPr>
-          <p:cNvPr id="81" name="TextShape 2"/>
-          <p:cNvSpPr txBox="1"/>
-          <p:nvPr/>
-        </p:nvSpPr>
-        <p:spPr>
-          <a:xfrm>
-            <a:off x="513567" y="1139834"/>
-            <a:ext cx="4039579" cy="3416040"/>
-          </a:xfrm>
-          <a:prstGeom prst="rect">
-            <a:avLst/>
-          </a:prstGeom>
-          <a:noFill/>
-          <a:ln>
-            <a:noFill/>
-          </a:ln>
-        </p:spPr>
-        <p:txBody>
-          <a:bodyPr tIns="91440" bIns="91440"/>
-          <a:lstStyle/>
-          <a:p>
-            <a:pPr marL="342900" indent="-342900">
-              <a:buFont typeface="Arial" charset="0"/>
-              <a:buChar char="•"/>
-            </a:pPr>
-            <a:r>
-              <a:rPr lang="en-US" sz="2000" spc="-1" dirty="0">
+                <a:cs typeface="PT Sans"/>
+              </a:rPr>
+              <a:t> </a:t>
+            </a:r>
+            <a:r>
+              <a:rPr lang="en-US" sz="3600" b="1" spc="-1" dirty="0">
                 <a:solidFill>
                   <a:schemeClr val="tx1">
-                    <a:lumMod val="65000"/>
-                    <a:lumOff val="35000"/>
+                    <a:lumMod val="85000"/>
+                    <a:lumOff val="15000"/>
                   </a:schemeClr>
                 </a:solidFill>
                 <a:uFill>
@@ -6012,18 +6158,18 @@
                     <a:srgbClr val="FFFFFF"/>
                   </a:solidFill>
                 </a:uFill>
-                <a:latin typeface="Arial" charset="0"/>
-                <a:ea typeface="Arial" charset="0"/>
-                <a:cs typeface="Arial" charset="0"/>
-              </a:rPr>
-              <a:t>Live Well San Diego mental health </a:t>
-            </a:r>
-            <a:r>
-              <a:rPr lang="en-US" sz="2000" spc="-1" dirty="0" smtClean="0">
+                <a:latin typeface="PT Sans"/>
+                <a:ea typeface="Arial"/>
+                <a:cs typeface="PT Sans"/>
+              </a:rPr>
+              <a:t> </a:t>
+            </a:r>
+            <a:r>
+              <a:rPr lang="en-US" sz="3600" b="1" spc="-1" dirty="0" smtClean="0">
                 <a:solidFill>
                   <a:schemeClr val="tx1">
-                    <a:lumMod val="65000"/>
-                    <a:lumOff val="35000"/>
+                    <a:lumMod val="85000"/>
+                    <a:lumOff val="15000"/>
                   </a:schemeClr>
                 </a:solidFill>
                 <a:uFill>
@@ -6031,237 +6177,36 @@
                     <a:srgbClr val="FFFFFF"/>
                   </a:solidFill>
                 </a:uFill>
-                <a:latin typeface="Arial" charset="0"/>
-                <a:ea typeface="Arial" charset="0"/>
-                <a:cs typeface="Arial" charset="0"/>
-              </a:rPr>
-              <a:t>datasets</a:t>
-            </a:r>
-            <a:endParaRPr lang="en-US" sz="2000" dirty="0" smtClean="0">
+                <a:latin typeface="PT Sans"/>
+                <a:ea typeface="Arial"/>
+                <a:cs typeface="PT Sans"/>
+              </a:rPr>
+              <a:t>   </a:t>
+            </a:r>
+            <a:r>
+              <a:rPr lang="en-US" sz="3600" b="1" strike="noStrike" spc="-1" dirty="0" smtClean="0">
+                <a:solidFill>
+                  <a:schemeClr val="tx1">
+                    <a:lumMod val="85000"/>
+                    <a:lumOff val="15000"/>
+                  </a:schemeClr>
+                </a:solidFill>
+                <a:uFill>
+                  <a:solidFill>
+                    <a:srgbClr val="FFFFFF"/>
+                  </a:solidFill>
+                </a:uFill>
+                <a:latin typeface="PT Sans"/>
+                <a:ea typeface="Arial"/>
+                <a:cs typeface="PT Sans"/>
+              </a:rPr>
+              <a:t>Datasets</a:t>
+            </a:r>
+            <a:endParaRPr lang="en-US" sz="3600" b="1" strike="noStrike" spc="-1" dirty="0">
               <a:solidFill>
                 <a:schemeClr val="tx1">
-                  <a:lumMod val="65000"/>
-                  <a:lumOff val="35000"/>
-                </a:schemeClr>
-              </a:solidFill>
-              <a:latin typeface="Arial" charset="0"/>
-              <a:ea typeface="Arial" charset="0"/>
-              <a:cs typeface="Arial" charset="0"/>
-            </a:endParaRPr>
-          </a:p>
-          <a:p>
-            <a:pPr marL="742950" lvl="1" indent="-285750">
-              <a:buFont typeface="Arial" charset="0"/>
-              <a:buChar char="•"/>
-            </a:pPr>
-            <a:r>
-              <a:rPr lang="en-US" dirty="0">
-                <a:solidFill>
-                  <a:schemeClr val="tx1">
-                    <a:lumMod val="65000"/>
-                    <a:lumOff val="35000"/>
-                  </a:schemeClr>
-                </a:solidFill>
-                <a:latin typeface="Arial" charset="0"/>
-                <a:ea typeface="Arial" charset="0"/>
-                <a:cs typeface="Arial" charset="0"/>
-              </a:rPr>
-              <a:t>Mood Disorders Hospitalizations</a:t>
-            </a:r>
-          </a:p>
-          <a:p>
-            <a:pPr marL="742950" lvl="1" indent="-285750">
-              <a:buFont typeface="Arial" charset="0"/>
-              <a:buChar char="•"/>
-            </a:pPr>
-            <a:r>
-              <a:rPr lang="en-US" dirty="0">
-                <a:solidFill>
-                  <a:schemeClr val="tx1">
-                    <a:lumMod val="65000"/>
-                    <a:lumOff val="35000"/>
-                  </a:schemeClr>
-                </a:solidFill>
-                <a:latin typeface="Arial" charset="0"/>
-                <a:ea typeface="Arial" charset="0"/>
-                <a:cs typeface="Arial" charset="0"/>
-              </a:rPr>
-              <a:t>Suicide Deaths Hospitalizations</a:t>
-            </a:r>
-          </a:p>
-          <a:p>
-            <a:pPr marL="742950" lvl="1" indent="-285750">
-              <a:buFont typeface="Arial" charset="0"/>
-              <a:buChar char="•"/>
-            </a:pPr>
-            <a:r>
-              <a:rPr lang="en-US" dirty="0">
-                <a:solidFill>
-                  <a:schemeClr val="tx1">
-                    <a:lumMod val="65000"/>
-                    <a:lumOff val="35000"/>
-                  </a:schemeClr>
-                </a:solidFill>
-                <a:latin typeface="Arial" charset="0"/>
-                <a:ea typeface="Arial" charset="0"/>
-                <a:cs typeface="Arial" charset="0"/>
-              </a:rPr>
-              <a:t>Substance Abuse Hospitalizations</a:t>
-            </a:r>
-          </a:p>
-          <a:p>
-            <a:pPr marL="742950" lvl="1" indent="-285750">
-              <a:buFont typeface="Arial" charset="0"/>
-              <a:buChar char="•"/>
-            </a:pPr>
-            <a:r>
-              <a:rPr lang="en-US" dirty="0">
-                <a:solidFill>
-                  <a:schemeClr val="tx1">
-                    <a:lumMod val="65000"/>
-                    <a:lumOff val="35000"/>
-                  </a:schemeClr>
-                </a:solidFill>
-                <a:latin typeface="Arial" charset="0"/>
-                <a:ea typeface="Arial" charset="0"/>
-                <a:cs typeface="Arial" charset="0"/>
-              </a:rPr>
-              <a:t>Alcohol Abuse Hospitalizations</a:t>
-            </a:r>
-          </a:p>
-          <a:p>
-            <a:pPr marL="742950" lvl="1" indent="-285750">
-              <a:buFont typeface="Arial" charset="0"/>
-              <a:buChar char="•"/>
-            </a:pPr>
-            <a:r>
-              <a:rPr lang="en-US" dirty="0">
-                <a:solidFill>
-                  <a:schemeClr val="tx1">
-                    <a:lumMod val="65000"/>
-                    <a:lumOff val="35000"/>
-                  </a:schemeClr>
-                </a:solidFill>
-                <a:latin typeface="Arial" charset="0"/>
-                <a:ea typeface="Arial" charset="0"/>
-                <a:cs typeface="Arial" charset="0"/>
-              </a:rPr>
-              <a:t>ADD Hospitalizations</a:t>
-            </a:r>
-          </a:p>
-          <a:p>
-            <a:pPr marL="342900" indent="-342900">
-              <a:lnSpc>
-                <a:spcPct val="150000"/>
-              </a:lnSpc>
-              <a:buFont typeface="Arial" charset="0"/>
-              <a:buChar char="•"/>
-            </a:pPr>
-            <a:endParaRPr lang="en-US" sz="2000" b="0" strike="noStrike" spc="-1" dirty="0" smtClean="0">
-              <a:solidFill>
-                <a:srgbClr val="000000"/>
-              </a:solidFill>
-              <a:uFill>
-                <a:solidFill>
-                  <a:srgbClr val="FFFFFF"/>
-                </a:solidFill>
-              </a:uFill>
-              <a:latin typeface="Arial" charset="0"/>
-              <a:ea typeface="Arial" charset="0"/>
-              <a:cs typeface="Arial" charset="0"/>
-            </a:endParaRPr>
-          </a:p>
-        </p:txBody>
-      </p:sp>
-      <p:sp>
-        <p:nvSpPr>
-          <p:cNvPr id="4" name="TextShape 2"/>
-          <p:cNvSpPr txBox="1"/>
-          <p:nvPr/>
-        </p:nvSpPr>
-        <p:spPr>
-          <a:xfrm>
-            <a:off x="4553146" y="1139834"/>
-            <a:ext cx="4039579" cy="3416040"/>
-          </a:xfrm>
-          <a:prstGeom prst="rect">
-            <a:avLst/>
-          </a:prstGeom>
-          <a:noFill/>
-          <a:ln>
-            <a:noFill/>
-          </a:ln>
-        </p:spPr>
-        <p:txBody>
-          <a:bodyPr tIns="91440" bIns="91440"/>
-          <a:lstStyle/>
-          <a:p>
-            <a:pPr marL="342900" indent="-342900">
-              <a:buFont typeface="Arial" charset="0"/>
-              <a:buChar char="•"/>
-            </a:pPr>
-            <a:r>
-              <a:rPr lang="en-US" sz="2000" spc="-1" dirty="0" smtClean="0">
-                <a:solidFill>
-                  <a:schemeClr val="tx1">
-                    <a:lumMod val="65000"/>
-                    <a:lumOff val="35000"/>
-                  </a:schemeClr>
-                </a:solidFill>
-                <a:uFill>
-                  <a:solidFill>
-                    <a:srgbClr val="FFFFFF"/>
-                  </a:solidFill>
-                </a:uFill>
-                <a:latin typeface="Arial" charset="0"/>
-                <a:ea typeface="Arial" charset="0"/>
-                <a:cs typeface="Arial" charset="0"/>
-              </a:rPr>
-              <a:t>California </a:t>
-            </a:r>
-            <a:r>
-              <a:rPr lang="en-US" sz="2000" spc="-1" dirty="0" smtClean="0">
-                <a:solidFill>
-                  <a:schemeClr val="tx1">
-                    <a:lumMod val="65000"/>
-                    <a:lumOff val="35000"/>
-                  </a:schemeClr>
-                </a:solidFill>
-                <a:uFill>
-                  <a:solidFill>
-                    <a:srgbClr val="FFFFFF"/>
-                  </a:solidFill>
-                </a:uFill>
-                <a:latin typeface="Arial" charset="0"/>
-                <a:ea typeface="Arial" charset="0"/>
-                <a:cs typeface="Arial" charset="0"/>
-              </a:rPr>
-              <a:t>Department of Public Health Community data</a:t>
-            </a:r>
-            <a:r>
-              <a:rPr lang="en-US" sz="2000" b="0" strike="noStrike" spc="-1" dirty="0" smtClean="0">
-                <a:solidFill>
-                  <a:schemeClr val="tx1">
-                    <a:lumMod val="65000"/>
-                    <a:lumOff val="35000"/>
-                  </a:schemeClr>
-                </a:solidFill>
-                <a:uFill>
-                  <a:solidFill>
-                    <a:srgbClr val="FFFFFF"/>
-                  </a:solidFill>
-                </a:uFill>
-                <a:latin typeface="Arial" charset="0"/>
-                <a:ea typeface="Arial" charset="0"/>
-                <a:cs typeface="Arial" charset="0"/>
-              </a:rPr>
-              <a:t> </a:t>
-            </a:r>
-            <a:endParaRPr lang="en-US" sz="2000" b="0" strike="noStrike" spc="-1" dirty="0" smtClean="0">
-              <a:solidFill>
-                <a:schemeClr val="tx1">
-                  <a:lumMod val="65000"/>
-                  <a:lumOff val="35000"/>
+                  <a:lumMod val="85000"/>
+                  <a:lumOff val="15000"/>
                 </a:schemeClr>
               </a:solidFill>
               <a:uFill>
@@ -6269,155 +6214,250 @@
                   <a:srgbClr val="FFFFFF"/>
                 </a:solidFill>
               </a:uFill>
-              <a:latin typeface="Arial" charset="0"/>
-              <a:ea typeface="Arial" charset="0"/>
-              <a:cs typeface="Arial" charset="0"/>
+              <a:latin typeface="PT Sans"/>
+              <a:cs typeface="PT Sans"/>
             </a:endParaRPr>
           </a:p>
-          <a:p>
-            <a:pPr marL="800100" lvl="1" indent="-342900">
-              <a:buFont typeface="Arial" charset="0"/>
-              <a:buChar char="•"/>
-            </a:pPr>
-            <a:r>
-              <a:rPr lang="en-US" dirty="0">
-                <a:solidFill>
-                  <a:schemeClr val="tx1">
-                    <a:lumMod val="65000"/>
-                    <a:lumOff val="35000"/>
-                  </a:schemeClr>
-                </a:solidFill>
-                <a:latin typeface="Arial" charset="0"/>
-                <a:ea typeface="Arial" charset="0"/>
-                <a:cs typeface="Arial" charset="0"/>
-              </a:rPr>
-              <a:t>Food Affordability</a:t>
-            </a:r>
-          </a:p>
-          <a:p>
-            <a:pPr marL="800100" lvl="1" indent="-342900">
-              <a:buFont typeface="Arial" charset="0"/>
-              <a:buChar char="•"/>
-            </a:pPr>
-            <a:r>
-              <a:rPr lang="en-US" dirty="0">
-                <a:solidFill>
-                  <a:schemeClr val="tx1">
-                    <a:lumMod val="65000"/>
-                    <a:lumOff val="35000"/>
-                  </a:schemeClr>
-                </a:solidFill>
-                <a:latin typeface="Arial" charset="0"/>
-                <a:ea typeface="Arial" charset="0"/>
-                <a:cs typeface="Arial" charset="0"/>
-              </a:rPr>
-              <a:t>Number of Violent Crimes</a:t>
-            </a:r>
-          </a:p>
-          <a:p>
-            <a:pPr marL="800100" lvl="1" indent="-342900">
-              <a:buFont typeface="Arial" charset="0"/>
-              <a:buChar char="•"/>
-            </a:pPr>
-            <a:r>
-              <a:rPr lang="en-US" dirty="0">
-                <a:solidFill>
-                  <a:schemeClr val="tx1">
-                    <a:lumMod val="65000"/>
-                    <a:lumOff val="35000"/>
-                  </a:schemeClr>
-                </a:solidFill>
-                <a:latin typeface="Arial" charset="0"/>
-                <a:ea typeface="Arial" charset="0"/>
-                <a:cs typeface="Arial" charset="0"/>
-              </a:rPr>
-              <a:t>Poverty Rate</a:t>
-            </a:r>
-          </a:p>
-          <a:p>
-            <a:pPr marL="800100" lvl="1" indent="-342900">
-              <a:buFont typeface="Arial" charset="0"/>
-              <a:buChar char="•"/>
-            </a:pPr>
-            <a:r>
-              <a:rPr lang="en-US" dirty="0">
-                <a:solidFill>
-                  <a:schemeClr val="tx1">
-                    <a:lumMod val="65000"/>
-                    <a:lumOff val="35000"/>
-                  </a:schemeClr>
-                </a:solidFill>
-                <a:latin typeface="Arial" charset="0"/>
-                <a:ea typeface="Arial" charset="0"/>
-                <a:cs typeface="Arial" charset="0"/>
-              </a:rPr>
-              <a:t>Unemployment Rate</a:t>
-            </a:r>
-          </a:p>
-          <a:p>
-            <a:pPr marL="800100" lvl="1" indent="-342900">
-              <a:buFont typeface="Arial" charset="0"/>
-              <a:buChar char="•"/>
-            </a:pPr>
-            <a:r>
-              <a:rPr lang="en-US" dirty="0">
-                <a:solidFill>
-                  <a:schemeClr val="tx1">
-                    <a:lumMod val="65000"/>
-                    <a:lumOff val="35000"/>
-                  </a:schemeClr>
-                </a:solidFill>
-                <a:latin typeface="Arial" charset="0"/>
-                <a:ea typeface="Arial" charset="0"/>
-                <a:cs typeface="Arial" charset="0"/>
-              </a:rPr>
-              <a:t>Park availability</a:t>
-            </a:r>
-          </a:p>
-          <a:p>
-            <a:pPr marL="800100" lvl="1" indent="-342900">
-              <a:buFont typeface="Arial" charset="0"/>
-              <a:buChar char="•"/>
-            </a:pPr>
-            <a:r>
-              <a:rPr lang="en-US" dirty="0">
-                <a:solidFill>
-                  <a:schemeClr val="tx1">
-                    <a:lumMod val="65000"/>
-                    <a:lumOff val="35000"/>
-                  </a:schemeClr>
-                </a:solidFill>
-                <a:latin typeface="Arial" charset="0"/>
-                <a:ea typeface="Arial" charset="0"/>
-                <a:cs typeface="Arial" charset="0"/>
-              </a:rPr>
-              <a:t>Number of Unhealthy Days of Ozone Air Pollution</a:t>
-            </a:r>
-          </a:p>
-          <a:p>
-            <a:pPr marL="800100" lvl="1" indent="-342900">
-              <a:lnSpc>
-                <a:spcPct val="150000"/>
-              </a:lnSpc>
-              <a:buFont typeface="Arial" charset="0"/>
-              <a:buChar char="•"/>
-            </a:pPr>
-            <a:endParaRPr lang="en-US" b="0" strike="noStrike" spc="-1" dirty="0">
-              <a:solidFill>
-                <a:srgbClr val="000000"/>
-              </a:solidFill>
-              <a:uFill>
-                <a:solidFill>
-                  <a:srgbClr val="FFFFFF"/>
-                </a:solidFill>
-              </a:uFill>
-              <a:latin typeface="Arial" charset="0"/>
-              <a:ea typeface="Arial" charset="0"/>
-              <a:cs typeface="Arial" charset="0"/>
-            </a:endParaRPr>
-          </a:p>
-        </p:txBody>
-      </p:sp>
+        </p:txBody>
+      </p:sp>
+      <p:graphicFrame>
+        <p:nvGraphicFramePr>
+          <p:cNvPr id="3" name="Table 2"/>
+          <p:cNvGraphicFramePr>
+            <a:graphicFrameLocks noGrp="1"/>
+          </p:cNvGraphicFramePr>
+          <p:nvPr>
+            <p:extLst>
+              <p:ext uri="{D42A27DB-BD31-4B8C-83A1-F6EECF244321}">
+                <p14:modId xmlns:p14="http://schemas.microsoft.com/office/powerpoint/2010/main" val="1575934784"/>
+              </p:ext>
+            </p:extLst>
+          </p:nvPr>
+        </p:nvGraphicFramePr>
+        <p:xfrm>
+          <a:off x="984248" y="1428750"/>
+          <a:ext cx="7715252" cy="2948940"/>
+        </p:xfrm>
+        <a:graphic>
+          <a:graphicData uri="http://schemas.openxmlformats.org/drawingml/2006/table">
+            <a:tbl>
+              <a:tblPr firstRow="1" bandRow="1">
+                <a:tableStyleId>{5C22544A-7EE6-4342-B048-85BDC9FD1C3A}</a:tableStyleId>
+              </a:tblPr>
+              <a:tblGrid>
+                <a:gridCol w="3857626"/>
+                <a:gridCol w="3857626"/>
+              </a:tblGrid>
+              <a:tr h="149860">
+                <a:tc>
+                  <a:txBody>
+                    <a:bodyPr/>
+                    <a:lstStyle/>
+                    <a:p>
+                      <a:r>
+                        <a:rPr lang="en-US" dirty="0" smtClean="0"/>
+                        <a:t>Dataset</a:t>
+                      </a:r>
+                      <a:endParaRPr lang="en-US" dirty="0"/>
+                    </a:p>
+                  </a:txBody>
+                  <a:tcPr>
+                    <a:solidFill>
+                      <a:srgbClr val="99CC99"/>
+                    </a:solidFill>
+                  </a:tcPr>
+                </a:tc>
+                <a:tc>
+                  <a:txBody>
+                    <a:bodyPr/>
+                    <a:lstStyle/>
+                    <a:p>
+                      <a:r>
+                        <a:rPr lang="en-US" dirty="0" smtClean="0"/>
+                        <a:t>Description</a:t>
+                      </a:r>
+                      <a:endParaRPr lang="en-US" dirty="0"/>
+                    </a:p>
+                  </a:txBody>
+                  <a:tcPr>
+                    <a:solidFill>
+                      <a:srgbClr val="99CC99"/>
+                    </a:solidFill>
+                  </a:tcPr>
+                </a:tc>
+              </a:tr>
+              <a:tr h="370840">
+                <a:tc>
+                  <a:txBody>
+                    <a:bodyPr/>
+                    <a:lstStyle/>
+                    <a:p>
+                      <a:r>
+                        <a:rPr lang="en-US" dirty="0" smtClean="0"/>
+                        <a:t>Live Well</a:t>
+                      </a:r>
+                      <a:r>
+                        <a:rPr lang="en-US" baseline="0" dirty="0" smtClean="0"/>
+                        <a:t> San Diego Mental Health</a:t>
+                      </a:r>
+                      <a:endParaRPr lang="en-US" dirty="0"/>
+                    </a:p>
+                  </a:txBody>
+                  <a:tcPr/>
+                </a:tc>
+                <a:tc>
+                  <a:txBody>
+                    <a:bodyPr/>
+                    <a:lstStyle/>
+                    <a:p>
+                      <a:pPr marL="0" indent="0">
+                        <a:buFont typeface="Arial"/>
+                        <a:buNone/>
+                      </a:pPr>
+                      <a:r>
+                        <a:rPr lang="en-US" dirty="0" smtClean="0"/>
+                        <a:t>Hospitalizations for:</a:t>
+                      </a:r>
+                    </a:p>
+                    <a:p>
+                      <a:pPr marL="285750" indent="-285750">
+                        <a:buFont typeface="Arial"/>
+                        <a:buChar char="•"/>
+                      </a:pPr>
+                      <a:r>
+                        <a:rPr lang="en-US" baseline="0" dirty="0" smtClean="0"/>
+                        <a:t>Mood disorders</a:t>
+                      </a:r>
+                    </a:p>
+                    <a:p>
+                      <a:pPr marL="285750" indent="-285750">
+                        <a:buFont typeface="Arial"/>
+                        <a:buChar char="•"/>
+                      </a:pPr>
+                      <a:r>
+                        <a:rPr lang="en-US" baseline="0" dirty="0" smtClean="0"/>
+                        <a:t>Suicide deaths</a:t>
+                      </a:r>
+                    </a:p>
+                    <a:p>
+                      <a:pPr marL="285750" indent="-285750">
+                        <a:buFont typeface="Arial"/>
+                        <a:buChar char="•"/>
+                      </a:pPr>
+                      <a:r>
+                        <a:rPr lang="en-US" baseline="0" dirty="0" smtClean="0"/>
+                        <a:t>Substance abuse</a:t>
+                      </a:r>
+                    </a:p>
+                    <a:p>
+                      <a:pPr marL="285750" indent="-285750">
+                        <a:buFont typeface="Arial"/>
+                        <a:buChar char="•"/>
+                      </a:pPr>
+                      <a:r>
+                        <a:rPr lang="en-US" baseline="0" dirty="0" smtClean="0"/>
+                        <a:t>Alcohol abuse </a:t>
+                      </a:r>
+                    </a:p>
+                  </a:txBody>
+                  <a:tcPr/>
+                </a:tc>
+              </a:tr>
+              <a:tr h="370840">
+                <a:tc>
+                  <a:txBody>
+                    <a:bodyPr/>
+                    <a:lstStyle/>
+                    <a:p>
+                      <a:r>
+                        <a:rPr lang="en-US" dirty="0" smtClean="0"/>
+                        <a:t>California</a:t>
+                      </a:r>
+                      <a:r>
+                        <a:rPr lang="en-US" baseline="0" dirty="0" smtClean="0"/>
+                        <a:t> Department of Public Health Community Data</a:t>
+                      </a:r>
+                      <a:endParaRPr lang="en-US" dirty="0"/>
+                    </a:p>
+                  </a:txBody>
+                  <a:tcPr/>
+                </a:tc>
+                <a:tc>
+                  <a:txBody>
+                    <a:bodyPr/>
+                    <a:lstStyle/>
+                    <a:p>
+                      <a:pPr marL="285750" indent="-285750">
+                        <a:buFont typeface="Arial"/>
+                        <a:buChar char="•"/>
+                      </a:pPr>
+                      <a:r>
+                        <a:rPr lang="en-US" dirty="0" smtClean="0"/>
+                        <a:t>Food affordability</a:t>
+                      </a:r>
+                    </a:p>
+                    <a:p>
+                      <a:pPr marL="285750" indent="-285750">
+                        <a:buFont typeface="Arial"/>
+                        <a:buChar char="•"/>
+                      </a:pPr>
+                      <a:r>
+                        <a:rPr lang="en-US" dirty="0" smtClean="0"/>
+                        <a:t>Number</a:t>
+                      </a:r>
+                      <a:r>
+                        <a:rPr lang="en-US" baseline="0" dirty="0" smtClean="0"/>
+                        <a:t> of violent crimes</a:t>
+                      </a:r>
+                    </a:p>
+                    <a:p>
+                      <a:pPr marL="285750" indent="-285750">
+                        <a:buFont typeface="Arial"/>
+                        <a:buChar char="•"/>
+                      </a:pPr>
+                      <a:r>
+                        <a:rPr lang="en-US" baseline="0" dirty="0" smtClean="0"/>
+                        <a:t>Poverty rate</a:t>
+                      </a:r>
+                    </a:p>
+                    <a:p>
+                      <a:pPr marL="285750" indent="-285750">
+                        <a:buFont typeface="Arial"/>
+                        <a:buChar char="•"/>
+                      </a:pPr>
+                      <a:r>
+                        <a:rPr lang="en-US" baseline="0" dirty="0" smtClean="0"/>
+                        <a:t>Unemployment rate</a:t>
+                      </a:r>
+                    </a:p>
+                    <a:p>
+                      <a:pPr marL="285750" indent="-285750">
+                        <a:buFont typeface="Arial"/>
+                        <a:buChar char="•"/>
+                      </a:pPr>
+                      <a:r>
+                        <a:rPr lang="en-US" baseline="0" dirty="0" smtClean="0"/>
+                        <a:t>Park availability</a:t>
+                      </a:r>
+                    </a:p>
+                    <a:p>
+                      <a:pPr marL="285750" indent="-285750">
+                        <a:buFont typeface="Arial"/>
+                        <a:buChar char="•"/>
+                      </a:pPr>
+                      <a:r>
+                        <a:rPr lang="en-US" baseline="0" dirty="0" smtClean="0"/>
+                        <a:t>Number of unhealthy days of ozone air pollution</a:t>
+                      </a:r>
+                    </a:p>
+                  </a:txBody>
+                  <a:tcPr/>
+                </a:tc>
+              </a:tr>
+            </a:tbl>
+          </a:graphicData>
+        </a:graphic>
+      </p:graphicFrame>
     </p:spTree>
   </p:cSld>
   <p:clrMapOvr>
@@ -6426,7 +6466,7 @@
   <p:timing>
     <p:tnLst>
       <p:par>
-        <p:cTn id="1" dur="indefinite" restart="never" nodeType="tmRoot">
+        <p:cTn xmlns:p14="http://schemas.microsoft.com/office/powerpoint/2010/main" id="1" dur="indefinite" restart="never" nodeType="tmRoot">
           <p:childTnLst>
             <p:seq>
               <p:cTn id="2" nodeType="mainSeq"/>
@@ -6499,46 +6539,96 @@
               </a:lnSpc>
             </a:pPr>
             <a:r>
-              <a:rPr lang="en-US" sz="3600" b="0" strike="noStrike" spc="-1" dirty="0" smtClean="0">
-                <a:solidFill>
-                  <a:srgbClr val="000000"/>
-                </a:solidFill>
-                <a:uFill>
-                  <a:solidFill>
-                    <a:srgbClr val="FFFFFF"/>
-                  </a:solidFill>
-                </a:uFill>
-                <a:latin typeface="Arial"/>
+              <a:rPr lang="en-US" sz="3600" b="1" spc="-1" dirty="0">
+                <a:solidFill>
+                  <a:schemeClr val="tx1">
+                    <a:lumMod val="85000"/>
+                    <a:lumOff val="15000"/>
+                  </a:schemeClr>
+                </a:solidFill>
+                <a:uFill>
+                  <a:solidFill>
+                    <a:srgbClr val="FFFFFF"/>
+                  </a:solidFill>
+                </a:uFill>
+                <a:latin typeface="PT Sans Narrow"/>
                 <a:ea typeface="Arial"/>
-              </a:rPr>
-              <a:t>	Our </a:t>
-            </a:r>
-            <a:r>
-              <a:rPr lang="en-US" sz="3600" b="0" strike="noStrike" spc="-1" dirty="0">
-                <a:solidFill>
-                  <a:srgbClr val="000000"/>
-                </a:solidFill>
-                <a:uFill>
-                  <a:solidFill>
-                    <a:srgbClr val="FFFFFF"/>
-                  </a:solidFill>
-                </a:uFill>
-                <a:latin typeface="Arial"/>
+                <a:cs typeface="PT Sans Narrow"/>
+              </a:rPr>
+              <a:t> </a:t>
+            </a:r>
+            <a:r>
+              <a:rPr lang="en-US" sz="3600" b="1" spc="-1" dirty="0" smtClean="0">
+                <a:solidFill>
+                  <a:schemeClr val="tx1">
+                    <a:lumMod val="85000"/>
+                    <a:lumOff val="15000"/>
+                  </a:schemeClr>
+                </a:solidFill>
+                <a:uFill>
+                  <a:solidFill>
+                    <a:srgbClr val="FFFFFF"/>
+                  </a:solidFill>
+                </a:uFill>
+                <a:latin typeface="PT Sans Narrow"/>
                 <a:ea typeface="Arial"/>
+                <a:cs typeface="PT Sans Narrow"/>
+              </a:rPr>
+              <a:t>     </a:t>
+            </a:r>
+            <a:r>
+              <a:rPr lang="en-US" sz="3600" b="1" strike="noStrike" spc="-1" dirty="0" smtClean="0">
+                <a:solidFill>
+                  <a:schemeClr val="tx1">
+                    <a:lumMod val="85000"/>
+                    <a:lumOff val="15000"/>
+                  </a:schemeClr>
+                </a:solidFill>
+                <a:uFill>
+                  <a:solidFill>
+                    <a:srgbClr val="FFFFFF"/>
+                  </a:solidFill>
+                </a:uFill>
+                <a:latin typeface="PT Sans Narrow"/>
+                <a:ea typeface="Arial"/>
+                <a:cs typeface="PT Sans Narrow"/>
+              </a:rPr>
+              <a:t>Our </a:t>
+            </a:r>
+            <a:r>
+              <a:rPr lang="en-US" sz="3600" b="1" strike="noStrike" spc="-1" dirty="0">
+                <a:solidFill>
+                  <a:schemeClr val="tx1">
+                    <a:lumMod val="85000"/>
+                    <a:lumOff val="15000"/>
+                  </a:schemeClr>
+                </a:solidFill>
+                <a:uFill>
+                  <a:solidFill>
+                    <a:srgbClr val="FFFFFF"/>
+                  </a:solidFill>
+                </a:uFill>
+                <a:latin typeface="PT Sans Narrow"/>
+                <a:ea typeface="Arial"/>
+                <a:cs typeface="PT Sans Narrow"/>
               </a:rPr>
               <a:t>Implementation
 </a:t>
             </a:r>
-            <a:endParaRPr lang="en-US" sz="3600" b="0" strike="noStrike" spc="-1" dirty="0">
+            <a:endParaRPr lang="en-US" sz="3600" b="1" strike="noStrike" spc="-1" dirty="0">
               <a:solidFill>
-                <a:srgbClr val="000000"/>
+                <a:schemeClr val="tx1">
+                  <a:lumMod val="85000"/>
+                  <a:lumOff val="15000"/>
+                </a:schemeClr>
               </a:solidFill>
               <a:uFill>
                 <a:solidFill>
                   <a:srgbClr val="FFFFFF"/>
                 </a:solidFill>
               </a:uFill>
-              <a:latin typeface="Arial"/>
+              <a:latin typeface="PT Sans Narrow"/>
+              <a:cs typeface="PT Sans Narrow"/>
             </a:endParaRPr>
           </a:p>
         </p:txBody>
@@ -6592,6 +6682,53 @@
           </a:p>
         </p:txBody>
       </p:sp>
+      <p:sp>
+        <p:nvSpPr>
+          <p:cNvPr id="4" name="TextShape 2"/>
+          <p:cNvSpPr txBox="1"/>
+          <p:nvPr/>
+        </p:nvSpPr>
+        <p:spPr>
+          <a:xfrm>
+            <a:off x="674259" y="1193470"/>
+            <a:ext cx="8305787" cy="3416040"/>
+          </a:xfrm>
+          <a:prstGeom prst="rect">
+            <a:avLst/>
+          </a:prstGeom>
+          <a:noFill/>
+          <a:ln>
+            <a:noFill/>
+          </a:ln>
+        </p:spPr>
+        <p:txBody>
+          <a:bodyPr tIns="91440" bIns="91440"/>
+          <a:lstStyle/>
+          <a:p>
+            <a:pPr lvl="0">
+              <a:lnSpc>
+                <a:spcPct val="150000"/>
+              </a:lnSpc>
+            </a:pPr>
+            <a:endParaRPr lang="en-US" sz="2000" spc="-1" dirty="0">
+              <a:solidFill>
+                <a:schemeClr val="tx1">
+                  <a:lumMod val="65000"/>
+                  <a:lumOff val="35000"/>
+                </a:schemeClr>
+              </a:solidFill>
+              <a:uFill>
+                <a:solidFill>
+                  <a:srgbClr val="FFFFFF"/>
+                </a:solidFill>
+              </a:uFill>
+              <a:latin typeface="PT Sans Narrow"/>
+              <a:ea typeface="Arial" charset="0"/>
+              <a:cs typeface="PT Sans Narrow"/>
+            </a:endParaRPr>
+          </a:p>
+        </p:txBody>
+      </p:sp>
     </p:spTree>
   </p:cSld>
   <p:clrMapOvr>
@@ -6600,7 +6737,7 @@
   <p:timing>
     <p:tnLst>
       <p:par>
-        <p:cTn id="1" dur="indefinite" restart="never" nodeType="tmRoot">
+        <p:cTn xmlns:p14="http://schemas.microsoft.com/office/powerpoint/2010/main" id="1" dur="indefinite" restart="never" nodeType="tmRoot">
           <p:childTnLst>
             <p:seq>
               <p:cTn id="2" nodeType="mainSeq"/>
@@ -6673,61 +6810,115 @@
               </a:lnSpc>
             </a:pPr>
             <a:r>
-              <a:rPr lang="en-US" sz="3600" b="0" strike="noStrike" spc="-1" dirty="0" smtClean="0">
-                <a:solidFill>
-                  <a:srgbClr val="000000"/>
-                </a:solidFill>
-                <a:uFill>
-                  <a:solidFill>
-                    <a:srgbClr val="FFFFFF"/>
-                  </a:solidFill>
-                </a:uFill>
-                <a:latin typeface="Arial"/>
+              <a:rPr lang="en-US" sz="3600" b="1" spc="-1" dirty="0">
+                <a:solidFill>
+                  <a:schemeClr val="tx1">
+                    <a:lumMod val="85000"/>
+                    <a:lumOff val="15000"/>
+                  </a:schemeClr>
+                </a:solidFill>
+                <a:uFill>
+                  <a:solidFill>
+                    <a:srgbClr val="FFFFFF"/>
+                  </a:solidFill>
+                </a:uFill>
+                <a:latin typeface="PT Sans Narrow"/>
                 <a:ea typeface="Arial"/>
-              </a:rPr>
-              <a:t>	</a:t>
-            </a:r>
-            <a:r>
-              <a:rPr lang="en-US" sz="3600" b="0" strike="noStrike" spc="-1" dirty="0" smtClean="0">
-                <a:solidFill>
-                  <a:srgbClr val="000000"/>
-                </a:solidFill>
-                <a:uFill>
-                  <a:solidFill>
-                    <a:srgbClr val="FFFFFF"/>
-                  </a:solidFill>
-                </a:uFill>
-                <a:latin typeface="Arial"/>
+                <a:cs typeface="PT Sans Narrow"/>
+              </a:rPr>
+              <a:t> </a:t>
+            </a:r>
+            <a:r>
+              <a:rPr lang="en-US" sz="3600" b="1" spc="-1" dirty="0" smtClean="0">
+                <a:solidFill>
+                  <a:schemeClr val="tx1">
+                    <a:lumMod val="85000"/>
+                    <a:lumOff val="15000"/>
+                  </a:schemeClr>
+                </a:solidFill>
+                <a:uFill>
+                  <a:solidFill>
+                    <a:srgbClr val="FFFFFF"/>
+                  </a:solidFill>
+                </a:uFill>
+                <a:latin typeface="PT Sans Narrow"/>
                 <a:ea typeface="Arial"/>
-              </a:rPr>
-              <a:t>The Impact</a:t>
-            </a:r>
-            <a:r>
-              <a:rPr lang="en-US" sz="3600" b="0" strike="noStrike" spc="-1" dirty="0">
-                <a:solidFill>
-                  <a:srgbClr val="000000"/>
-                </a:solidFill>
-                <a:uFill>
-                  <a:solidFill>
-                    <a:srgbClr val="FFFFFF"/>
-                  </a:solidFill>
-                </a:uFill>
-                <a:latin typeface="Arial"/>
+                <a:cs typeface="PT Sans Narrow"/>
+              </a:rPr>
+              <a:t>    </a:t>
+            </a:r>
+            <a:r>
+              <a:rPr lang="en-US" sz="3600" b="1" strike="noStrike" spc="-1" dirty="0" smtClean="0">
+                <a:solidFill>
+                  <a:schemeClr val="tx1">
+                    <a:lumMod val="85000"/>
+                    <a:lumOff val="15000"/>
+                  </a:schemeClr>
+                </a:solidFill>
+                <a:uFill>
+                  <a:solidFill>
+                    <a:srgbClr val="FFFFFF"/>
+                  </a:solidFill>
+                </a:uFill>
+                <a:latin typeface="PT Sans Narrow"/>
                 <a:ea typeface="Arial"/>
+                <a:cs typeface="PT Sans Narrow"/>
+              </a:rPr>
+              <a:t>The </a:t>
+            </a:r>
+            <a:r>
+              <a:rPr lang="en-US" sz="3600" b="1" strike="noStrike" spc="-1" dirty="0" smtClean="0">
+                <a:solidFill>
+                  <a:schemeClr val="tx1">
+                    <a:lumMod val="85000"/>
+                    <a:lumOff val="15000"/>
+                  </a:schemeClr>
+                </a:solidFill>
+                <a:uFill>
+                  <a:solidFill>
+                    <a:srgbClr val="FFFFFF"/>
+                  </a:solidFill>
+                </a:uFill>
+                <a:latin typeface="PT Sans Narrow"/>
+                <a:ea typeface="Arial"/>
+                <a:cs typeface="PT Sans Narrow"/>
+              </a:rPr>
+              <a:t>Impact</a:t>
+            </a:r>
+            <a:r>
+              <a:rPr lang="en-US" sz="3600" b="1" strike="noStrike" spc="-1" dirty="0">
+                <a:solidFill>
+                  <a:schemeClr val="tx1">
+                    <a:lumMod val="85000"/>
+                    <a:lumOff val="15000"/>
+                  </a:schemeClr>
+                </a:solidFill>
+                <a:uFill>
+                  <a:solidFill>
+                    <a:srgbClr val="FFFFFF"/>
+                  </a:solidFill>
+                </a:uFill>
+                <a:latin typeface="PT Sans Narrow"/>
+                <a:ea typeface="Arial"/>
+                <a:cs typeface="PT Sans Narrow"/>
               </a:rPr>
               <a:t>
 </a:t>
             </a:r>
-            <a:endParaRPr lang="en-US" sz="3600" b="0" strike="noStrike" spc="-1" dirty="0">
+            <a:endParaRPr lang="en-US" sz="3600" b="1" strike="noStrike" spc="-1" dirty="0">
               <a:solidFill>
-                <a:srgbClr val="000000"/>
+                <a:schemeClr val="tx1">
+                  <a:lumMod val="85000"/>
+                  <a:lumOff val="15000"/>
+                </a:schemeClr>
               </a:solidFill>
               <a:uFill>
                 <a:solidFill>
                   <a:srgbClr val="FFFFFF"/>
                 </a:solidFill>
               </a:uFill>
-              <a:latin typeface="Arial"/>
+              <a:latin typeface="PT Sans Narrow"/>
+              <a:cs typeface="PT Sans Narrow"/>
             </a:endParaRPr>
           </a:p>
         </p:txBody>
@@ -6740,7 +6931,7 @@
         </p:nvSpPr>
         <p:spPr>
           <a:xfrm>
-            <a:off x="526092" y="1152360"/>
+            <a:off x="674259" y="1193470"/>
             <a:ext cx="8305787" cy="3416040"/>
           </a:xfrm>
           <a:prstGeom prst="rect">
@@ -6770,11 +6961,39 @@
                     <a:lumOff val="35000"/>
                   </a:schemeClr>
                 </a:solidFill>
-                <a:latin typeface="Arial" charset="0"/>
+                <a:latin typeface="PT Sans Narrow"/>
                 <a:ea typeface="Arial" charset="0"/>
-                <a:cs typeface="Arial" charset="0"/>
-              </a:rPr>
-              <a:t>Better understanding what community and region specific factors affect mental health. </a:t>
+                <a:cs typeface="PT Sans Narrow"/>
+              </a:rPr>
+              <a:t>Better understanding </a:t>
+            </a:r>
+            <a:r>
+              <a:rPr lang="en-US" sz="2000" dirty="0" smtClean="0">
+                <a:solidFill>
+                  <a:schemeClr val="tx1">
+                    <a:lumMod val="65000"/>
+                    <a:lumOff val="35000"/>
+                  </a:schemeClr>
+                </a:solidFill>
+                <a:latin typeface="PT Sans Narrow"/>
+                <a:ea typeface="Arial" charset="0"/>
+                <a:cs typeface="PT Sans Narrow"/>
+              </a:rPr>
+              <a:t>on what </a:t>
+            </a:r>
+            <a:r>
+              <a:rPr lang="en-US" sz="2000" dirty="0">
+                <a:solidFill>
+                  <a:schemeClr val="tx1">
+                    <a:lumMod val="65000"/>
+                    <a:lumOff val="35000"/>
+                  </a:schemeClr>
+                </a:solidFill>
+                <a:latin typeface="PT Sans Narrow"/>
+                <a:ea typeface="Arial" charset="0"/>
+                <a:cs typeface="PT Sans Narrow"/>
+              </a:rPr>
+              <a:t>community and region specific factors affect mental health. </a:t>
             </a:r>
           </a:p>
           <a:p>
@@ -6798,11 +7017,49 @@
                     <a:srgbClr val="FFFFFF"/>
                   </a:solidFill>
                 </a:uFill>
-                <a:latin typeface="Arial" charset="0"/>
+                <a:latin typeface="PT Sans Narrow"/>
                 <a:ea typeface="Arial" charset="0"/>
-                <a:cs typeface="Arial" charset="0"/>
-              </a:rPr>
-              <a:t>User by User recommendations based on areas and the factors of said areas.</a:t>
+                <a:cs typeface="PT Sans Narrow"/>
+              </a:rPr>
+              <a:t>User by </a:t>
+            </a:r>
+            <a:r>
+              <a:rPr lang="en-US" sz="2000" spc="-1" dirty="0" smtClean="0">
+                <a:solidFill>
+                  <a:schemeClr val="tx1">
+                    <a:lumMod val="65000"/>
+                    <a:lumOff val="35000"/>
+                  </a:schemeClr>
+                </a:solidFill>
+                <a:uFill>
+                  <a:solidFill>
+                    <a:srgbClr val="FFFFFF"/>
+                  </a:solidFill>
+                </a:uFill>
+                <a:latin typeface="PT Sans Narrow"/>
+                <a:ea typeface="Arial" charset="0"/>
+                <a:cs typeface="PT Sans Narrow"/>
+              </a:rPr>
+              <a:t>user </a:t>
+            </a:r>
+            <a:r>
+              <a:rPr lang="en-US" sz="2000" spc="-1" dirty="0">
+                <a:solidFill>
+                  <a:schemeClr val="tx1">
+                    <a:lumMod val="65000"/>
+                    <a:lumOff val="35000"/>
+                  </a:schemeClr>
+                </a:solidFill>
+                <a:uFill>
+                  <a:solidFill>
+                    <a:srgbClr val="FFFFFF"/>
+                  </a:solidFill>
+                </a:uFill>
+                <a:latin typeface="PT Sans Narrow"/>
+                <a:ea typeface="Arial" charset="0"/>
+                <a:cs typeface="PT Sans Narrow"/>
+              </a:rPr>
+              <a:t>recommendations based on areas and the factors of said areas.</a:t>
             </a:r>
           </a:p>
           <a:p>
@@ -6826,9 +7083,9 @@
                     <a:srgbClr val="FFFFFF"/>
                   </a:solidFill>
                 </a:uFill>
-                <a:latin typeface="Arial" charset="0"/>
+                <a:latin typeface="PT Sans Narrow"/>
                 <a:ea typeface="Arial" charset="0"/>
-                <a:cs typeface="Arial" charset="0"/>
+                <a:cs typeface="PT Sans Narrow"/>
               </a:rPr>
               <a:t>Department planning for future areas</a:t>
             </a:r>
@@ -6845,9 +7102,9 @@
                     <a:srgbClr val="FFFFFF"/>
                   </a:solidFill>
                 </a:uFill>
-                <a:latin typeface="Arial" charset="0"/>
+                <a:latin typeface="PT Sans Narrow"/>
                 <a:ea typeface="Arial" charset="0"/>
-                <a:cs typeface="Arial" charset="0"/>
+                <a:cs typeface="PT Sans Narrow"/>
               </a:rPr>
               <a:t>.</a:t>
             </a:r>
@@ -6863,9 +7120,9 @@
                   <a:srgbClr val="FFFFFF"/>
                 </a:solidFill>
               </a:uFill>
-              <a:latin typeface="Arial" charset="0"/>
+              <a:latin typeface="PT Sans Narrow"/>
               <a:ea typeface="Arial" charset="0"/>
-              <a:cs typeface="Arial" charset="0"/>
+              <a:cs typeface="PT Sans Narrow"/>
             </a:endParaRPr>
           </a:p>
         </p:txBody>
@@ -6883,7 +7140,7 @@
   <p:timing>
     <p:tnLst>
       <p:par>
-        <p:cTn id="1" dur="indefinite" restart="never" nodeType="tmRoot">
+        <p:cTn xmlns:p14="http://schemas.microsoft.com/office/powerpoint/2010/main" id="1" dur="indefinite" restart="never" nodeType="tmRoot">
           <p:childTnLst>
             <p:seq>
               <p:cTn id="2" nodeType="mainSeq"/>
@@ -6956,61 +7213,115 @@
               </a:lnSpc>
             </a:pPr>
             <a:r>
-              <a:rPr lang="en-US" sz="3600" b="0" strike="noStrike" spc="-1" dirty="0" smtClean="0">
-                <a:solidFill>
-                  <a:srgbClr val="000000"/>
-                </a:solidFill>
-                <a:uFill>
-                  <a:solidFill>
-                    <a:srgbClr val="FFFFFF"/>
-                  </a:solidFill>
-                </a:uFill>
-                <a:latin typeface="Arial"/>
+              <a:rPr lang="en-US" sz="3600" b="1" spc="-1" dirty="0">
+                <a:solidFill>
+                  <a:schemeClr val="tx1">
+                    <a:lumMod val="85000"/>
+                    <a:lumOff val="15000"/>
+                  </a:schemeClr>
+                </a:solidFill>
+                <a:uFill>
+                  <a:solidFill>
+                    <a:srgbClr val="FFFFFF"/>
+                  </a:solidFill>
+                </a:uFill>
+                <a:latin typeface="PT Sans Narrow"/>
                 <a:ea typeface="Arial"/>
-              </a:rPr>
-              <a:t>	</a:t>
-            </a:r>
-            <a:r>
-              <a:rPr lang="en-US" sz="3600" b="0" strike="noStrike" spc="-1" dirty="0" smtClean="0">
-                <a:solidFill>
-                  <a:srgbClr val="000000"/>
-                </a:solidFill>
-                <a:uFill>
-                  <a:solidFill>
-                    <a:srgbClr val="FFFFFF"/>
-                  </a:solidFill>
-                </a:uFill>
-                <a:latin typeface="Arial"/>
+                <a:cs typeface="PT Sans Narrow"/>
+              </a:rPr>
+              <a:t> </a:t>
+            </a:r>
+            <a:r>
+              <a:rPr lang="en-US" sz="3600" b="1" spc="-1" dirty="0" smtClean="0">
+                <a:solidFill>
+                  <a:schemeClr val="tx1">
+                    <a:lumMod val="85000"/>
+                    <a:lumOff val="15000"/>
+                  </a:schemeClr>
+                </a:solidFill>
+                <a:uFill>
+                  <a:solidFill>
+                    <a:srgbClr val="FFFFFF"/>
+                  </a:solidFill>
+                </a:uFill>
+                <a:latin typeface="PT Sans Narrow"/>
                 <a:ea typeface="Arial"/>
-              </a:rPr>
-              <a:t>Next Steps</a:t>
-            </a:r>
-            <a:r>
-              <a:rPr lang="en-US" sz="3600" b="0" strike="noStrike" spc="-1" dirty="0">
-                <a:solidFill>
-                  <a:srgbClr val="000000"/>
-                </a:solidFill>
-                <a:uFill>
-                  <a:solidFill>
-                    <a:srgbClr val="FFFFFF"/>
-                  </a:solidFill>
-                </a:uFill>
-                <a:latin typeface="Arial"/>
+                <a:cs typeface="PT Sans Narrow"/>
+              </a:rPr>
+              <a:t>    </a:t>
+            </a:r>
+            <a:r>
+              <a:rPr lang="en-US" sz="3600" b="1" strike="noStrike" spc="-1" dirty="0" smtClean="0">
+                <a:solidFill>
+                  <a:schemeClr val="tx1">
+                    <a:lumMod val="85000"/>
+                    <a:lumOff val="15000"/>
+                  </a:schemeClr>
+                </a:solidFill>
+                <a:uFill>
+                  <a:solidFill>
+                    <a:srgbClr val="FFFFFF"/>
+                  </a:solidFill>
+                </a:uFill>
+                <a:latin typeface="PT Sans Narrow"/>
                 <a:ea typeface="Arial"/>
+                <a:cs typeface="PT Sans Narrow"/>
+              </a:rPr>
+              <a:t>Next </a:t>
+            </a:r>
+            <a:r>
+              <a:rPr lang="en-US" sz="3600" b="1" strike="noStrike" spc="-1" dirty="0" smtClean="0">
+                <a:solidFill>
+                  <a:schemeClr val="tx1">
+                    <a:lumMod val="85000"/>
+                    <a:lumOff val="15000"/>
+                  </a:schemeClr>
+                </a:solidFill>
+                <a:uFill>
+                  <a:solidFill>
+                    <a:srgbClr val="FFFFFF"/>
+                  </a:solidFill>
+                </a:uFill>
+                <a:latin typeface="PT Sans Narrow"/>
+                <a:ea typeface="Arial"/>
+                <a:cs typeface="PT Sans Narrow"/>
+              </a:rPr>
+              <a:t>Steps</a:t>
+            </a:r>
+            <a:r>
+              <a:rPr lang="en-US" sz="3600" b="1" strike="noStrike" spc="-1" dirty="0">
+                <a:solidFill>
+                  <a:schemeClr val="tx1">
+                    <a:lumMod val="85000"/>
+                    <a:lumOff val="15000"/>
+                  </a:schemeClr>
+                </a:solidFill>
+                <a:uFill>
+                  <a:solidFill>
+                    <a:srgbClr val="FFFFFF"/>
+                  </a:solidFill>
+                </a:uFill>
+                <a:latin typeface="PT Sans Narrow"/>
+                <a:ea typeface="Arial"/>
+                <a:cs typeface="PT Sans Narrow"/>
               </a:rPr>
               <a:t>
 </a:t>
             </a:r>
-            <a:endParaRPr lang="en-US" sz="3600" b="0" strike="noStrike" spc="-1" dirty="0">
+            <a:endParaRPr lang="en-US" sz="3600" b="1" strike="noStrike" spc="-1" dirty="0">
               <a:solidFill>
-                <a:srgbClr val="000000"/>
+                <a:schemeClr val="tx1">
+                  <a:lumMod val="85000"/>
+                  <a:lumOff val="15000"/>
+                </a:schemeClr>
               </a:solidFill>
               <a:uFill>
                 <a:solidFill>
                   <a:srgbClr val="FFFFFF"/>
                 </a:solidFill>
               </a:uFill>
-              <a:latin typeface="Arial"/>
+              <a:latin typeface="PT Sans Narrow"/>
+              <a:cs typeface="PT Sans Narrow"/>
             </a:endParaRPr>
           </a:p>
         </p:txBody>
@@ -7023,8 +7334,8 @@
         </p:nvSpPr>
         <p:spPr>
           <a:xfrm>
-            <a:off x="526092" y="1152360"/>
-            <a:ext cx="8305787" cy="3416040"/>
+            <a:off x="706008" y="1172303"/>
+            <a:ext cx="6924575" cy="3416040"/>
           </a:xfrm>
           <a:prstGeom prst="rect">
             <a:avLst/>
@@ -7058,9 +7369,9 @@
                     <a:srgbClr val="FFFFFF"/>
                   </a:solidFill>
                 </a:uFill>
-                <a:latin typeface="Arial" charset="0"/>
+                <a:latin typeface="PT Sans Narrow"/>
                 <a:ea typeface="Arial" charset="0"/>
-                <a:cs typeface="Arial" charset="0"/>
+                <a:cs typeface="PT Sans Narrow"/>
               </a:rPr>
               <a:t>More data</a:t>
             </a:r>
@@ -7086,9 +7397,9 @@
                     <a:srgbClr val="FFFFFF"/>
                   </a:solidFill>
                 </a:uFill>
-                <a:latin typeface="Arial" charset="0"/>
+                <a:latin typeface="PT Sans Narrow"/>
                 <a:ea typeface="Arial" charset="0"/>
-                <a:cs typeface="Arial" charset="0"/>
+                <a:cs typeface="PT Sans Narrow"/>
               </a:rPr>
               <a:t>Updated datasets, expanding current datasets, user input</a:t>
             </a:r>
@@ -7104,9 +7415,9 @@
                   <a:srgbClr val="FFFFFF"/>
                 </a:solidFill>
               </a:uFill>
-              <a:latin typeface="Arial" charset="0"/>
+              <a:latin typeface="PT Sans Narrow"/>
               <a:ea typeface="Arial" charset="0"/>
-              <a:cs typeface="Arial" charset="0"/>
+              <a:cs typeface="PT Sans Narrow"/>
             </a:endParaRPr>
           </a:p>
           <a:p>
@@ -7130,9 +7441,9 @@
                     <a:srgbClr val="FFFFFF"/>
                   </a:solidFill>
                 </a:uFill>
-                <a:latin typeface="Arial" charset="0"/>
+                <a:latin typeface="PT Sans Narrow"/>
                 <a:ea typeface="Arial" charset="0"/>
-                <a:cs typeface="Arial" charset="0"/>
+                <a:cs typeface="PT Sans Narrow"/>
               </a:rPr>
               <a:t>Dedicated databases/servers</a:t>
             </a:r>
@@ -7158,9 +7469,9 @@
                     <a:srgbClr val="FFFFFF"/>
                   </a:solidFill>
                 </a:uFill>
-                <a:latin typeface="Arial" charset="0"/>
+                <a:latin typeface="PT Sans Narrow"/>
                 <a:ea typeface="Arial" charset="0"/>
-                <a:cs typeface="Arial" charset="0"/>
+                <a:cs typeface="PT Sans Narrow"/>
               </a:rPr>
               <a:t>Strong security measures</a:t>
             </a:r>
@@ -7180,7 +7491,7 @@
   <p:timing>
     <p:tnLst>
       <p:par>
-        <p:cTn id="1" dur="indefinite" restart="never" nodeType="tmRoot">
+        <p:cTn xmlns:p14="http://schemas.microsoft.com/office/powerpoint/2010/main" id="1" dur="indefinite" restart="never" nodeType="tmRoot">
           <p:childTnLst>
             <p:seq>
               <p:cTn id="2" nodeType="mainSeq"/>
@@ -7253,115 +7564,173 @@
               </a:lnSpc>
             </a:pPr>
             <a:r>
-              <a:rPr lang="en-US" sz="3600" b="0" strike="noStrike" spc="-1" dirty="0" smtClean="0">
-                <a:solidFill>
-                  <a:srgbClr val="000000"/>
-                </a:solidFill>
-                <a:uFill>
-                  <a:solidFill>
-                    <a:srgbClr val="FFFFFF"/>
-                  </a:solidFill>
-                </a:uFill>
-                <a:latin typeface="Arial"/>
+              <a:rPr lang="en-US" sz="3600" b="1" spc="-1" dirty="0">
+                <a:solidFill>
+                  <a:schemeClr val="tx1">
+                    <a:lumMod val="85000"/>
+                    <a:lumOff val="15000"/>
+                  </a:schemeClr>
+                </a:solidFill>
+                <a:uFill>
+                  <a:solidFill>
+                    <a:srgbClr val="FFFFFF"/>
+                  </a:solidFill>
+                </a:uFill>
+                <a:latin typeface="PT Sans Narrow"/>
                 <a:ea typeface="Arial"/>
-              </a:rPr>
-              <a:t>	</a:t>
-            </a:r>
-            <a:r>
-              <a:rPr lang="en-US" sz="3600" b="0" strike="noStrike" spc="-1" dirty="0" smtClean="0">
-                <a:solidFill>
-                  <a:srgbClr val="000000"/>
-                </a:solidFill>
-                <a:uFill>
-                  <a:solidFill>
-                    <a:srgbClr val="FFFFFF"/>
-                  </a:solidFill>
-                </a:uFill>
-                <a:latin typeface="Arial"/>
+                <a:cs typeface="PT Sans Narrow"/>
+              </a:rPr>
+              <a:t> </a:t>
+            </a:r>
+            <a:r>
+              <a:rPr lang="en-US" sz="3600" b="1" spc="-1" dirty="0" smtClean="0">
+                <a:solidFill>
+                  <a:schemeClr val="tx1">
+                    <a:lumMod val="85000"/>
+                    <a:lumOff val="15000"/>
+                  </a:schemeClr>
+                </a:solidFill>
+                <a:uFill>
+                  <a:solidFill>
+                    <a:srgbClr val="FFFFFF"/>
+                  </a:solidFill>
+                </a:uFill>
+                <a:latin typeface="PT Sans Narrow"/>
                 <a:ea typeface="Arial"/>
-              </a:rPr>
-              <a:t>Thank you!</a:t>
-            </a:r>
-            <a:r>
-              <a:rPr lang="en-US" sz="3600" b="0" strike="noStrike" spc="-1" dirty="0">
-                <a:solidFill>
-                  <a:srgbClr val="000000"/>
-                </a:solidFill>
-                <a:uFill>
-                  <a:solidFill>
-                    <a:srgbClr val="FFFFFF"/>
-                  </a:solidFill>
-                </a:uFill>
-                <a:latin typeface="Arial"/>
+                <a:cs typeface="PT Sans Narrow"/>
+              </a:rPr>
+              <a:t>     </a:t>
+            </a:r>
+            <a:r>
+              <a:rPr lang="en-US" sz="3600" b="1" strike="noStrike" spc="-1" dirty="0" smtClean="0">
+                <a:solidFill>
+                  <a:schemeClr val="tx1">
+                    <a:lumMod val="85000"/>
+                    <a:lumOff val="15000"/>
+                  </a:schemeClr>
+                </a:solidFill>
+                <a:uFill>
+                  <a:solidFill>
+                    <a:srgbClr val="FFFFFF"/>
+                  </a:solidFill>
+                </a:uFill>
+                <a:latin typeface="PT Sans Narrow"/>
                 <a:ea typeface="Arial"/>
+                <a:cs typeface="PT Sans Narrow"/>
+              </a:rPr>
+              <a:t>Thank </a:t>
+            </a:r>
+            <a:r>
+              <a:rPr lang="en-US" sz="3600" b="1" strike="noStrike" spc="-1" dirty="0" smtClean="0">
+                <a:solidFill>
+                  <a:schemeClr val="tx1">
+                    <a:lumMod val="85000"/>
+                    <a:lumOff val="15000"/>
+                  </a:schemeClr>
+                </a:solidFill>
+                <a:uFill>
+                  <a:solidFill>
+                    <a:srgbClr val="FFFFFF"/>
+                  </a:solidFill>
+                </a:uFill>
+                <a:latin typeface="PT Sans Narrow"/>
+                <a:ea typeface="Arial"/>
+                <a:cs typeface="PT Sans Narrow"/>
+              </a:rPr>
+              <a:t>you</a:t>
+            </a:r>
+            <a:r>
+              <a:rPr lang="en-US" sz="3600" b="1" strike="noStrike" spc="-1" dirty="0" smtClean="0">
+                <a:solidFill>
+                  <a:schemeClr val="tx1">
+                    <a:lumMod val="85000"/>
+                    <a:lumOff val="15000"/>
+                  </a:schemeClr>
+                </a:solidFill>
+                <a:uFill>
+                  <a:solidFill>
+                    <a:srgbClr val="FFFFFF"/>
+                  </a:solidFill>
+                </a:uFill>
+                <a:latin typeface="PT Sans Narrow"/>
+                <a:ea typeface="Arial"/>
+                <a:cs typeface="PT Sans Narrow"/>
+              </a:rPr>
+              <a:t>! </a:t>
+            </a:r>
+            <a:r>
+              <a:rPr lang="en-US" sz="3600" b="1" strike="noStrike" spc="-1" dirty="0" smtClean="0">
+                <a:solidFill>
+                  <a:schemeClr val="tx1">
+                    <a:lumMod val="85000"/>
+                    <a:lumOff val="15000"/>
+                  </a:schemeClr>
+                </a:solidFill>
+                <a:uFill>
+                  <a:solidFill>
+                    <a:srgbClr val="FFFFFF"/>
+                  </a:solidFill>
+                </a:uFill>
+                <a:latin typeface="PT Sans Narrow"/>
+                <a:ea typeface="Arial"/>
+                <a:cs typeface="PT Sans Narrow"/>
+                <a:sym typeface="Wingdings"/>
+              </a:rPr>
+              <a:t> </a:t>
+            </a:r>
+            <a:r>
+              <a:rPr lang="en-US" sz="3600" b="1" strike="noStrike" spc="-1" dirty="0">
+                <a:solidFill>
+                  <a:schemeClr val="tx1">
+                    <a:lumMod val="85000"/>
+                    <a:lumOff val="15000"/>
+                  </a:schemeClr>
+                </a:solidFill>
+                <a:uFill>
+                  <a:solidFill>
+                    <a:srgbClr val="FFFFFF"/>
+                  </a:solidFill>
+                </a:uFill>
+                <a:latin typeface="PT Sans Narrow"/>
+                <a:ea typeface="Arial"/>
+                <a:cs typeface="PT Sans Narrow"/>
               </a:rPr>
               <a:t>
 </a:t>
             </a:r>
-            <a:endParaRPr lang="en-US" sz="3600" b="0" strike="noStrike" spc="-1" dirty="0">
+            <a:r>
+              <a:rPr lang="en-US" sz="3600" b="1" strike="noStrike" spc="-1" dirty="0" smtClean="0">
+                <a:solidFill>
+                  <a:schemeClr val="tx1">
+                    <a:lumMod val="85000"/>
+                    <a:lumOff val="15000"/>
+                  </a:schemeClr>
+                </a:solidFill>
+                <a:uFill>
+                  <a:solidFill>
+                    <a:srgbClr val="FFFFFF"/>
+                  </a:solidFill>
+                </a:uFill>
+                <a:latin typeface="PT Sans Narrow"/>
+                <a:ea typeface="Arial"/>
+                <a:cs typeface="PT Sans Narrow"/>
+              </a:rPr>
+              <a:t> </a:t>
+            </a:r>
+            <a:endParaRPr lang="en-US" sz="3600" b="1" strike="noStrike" spc="-1" dirty="0">
               <a:solidFill>
-                <a:srgbClr val="000000"/>
+                <a:schemeClr val="tx1">
+                  <a:lumMod val="85000"/>
+                  <a:lumOff val="15000"/>
+                </a:schemeClr>
               </a:solidFill>
               <a:uFill>
                 <a:solidFill>
                   <a:srgbClr val="FFFFFF"/>
                 </a:solidFill>
               </a:uFill>
-              <a:latin typeface="Arial"/>
-            </a:endParaRPr>
-          </a:p>
-        </p:txBody>
-      </p:sp>
-      <p:sp>
-        <p:nvSpPr>
-          <p:cNvPr id="83" name="TextShape 2"/>
-          <p:cNvSpPr txBox="1"/>
-          <p:nvPr/>
-        </p:nvSpPr>
-        <p:spPr>
-          <a:xfrm>
-            <a:off x="526092" y="1152360"/>
-            <a:ext cx="8305787" cy="3416040"/>
-          </a:xfrm>
-          <a:prstGeom prst="rect">
-            <a:avLst/>
-          </a:prstGeom>
-          <a:noFill/>
-          <a:ln>
-            <a:noFill/>
-          </a:ln>
-        </p:spPr>
-        <p:txBody>
-          <a:bodyPr tIns="91440" bIns="91440"/>
-          <a:lstStyle/>
-          <a:p>
-            <a:pPr marL="285750" marR="0" lvl="0" indent="-285750" defTabSz="914400" eaLnBrk="1" fontAlgn="auto" latinLnBrk="0" hangingPunct="1">
-              <a:lnSpc>
-                <a:spcPct val="150000"/>
-              </a:lnSpc>
-              <a:spcBef>
-                <a:spcPts val="0"/>
-              </a:spcBef>
-              <a:spcAft>
-                <a:spcPts val="0"/>
-              </a:spcAft>
-              <a:buClrTx/>
-              <a:buSzTx/>
-              <a:buFont typeface="Arial" charset="0"/>
-              <a:buNone/>
-              <a:tabLst/>
-              <a:defRPr/>
-            </a:pPr>
-            <a:endParaRPr lang="en-US" sz="2000" b="0" strike="noStrike" spc="-1" dirty="0">
-              <a:solidFill>
-                <a:srgbClr val="000000"/>
-              </a:solidFill>
-              <a:uFill>
-                <a:solidFill>
-                  <a:srgbClr val="FFFFFF"/>
-                </a:solidFill>
-              </a:uFill>
-              <a:latin typeface="Arial"/>
+              <a:latin typeface="PT Sans Narrow"/>
+              <a:cs typeface="PT Sans Narrow"/>
             </a:endParaRPr>
           </a:p>
         </p:txBody>
@@ -7379,7 +7748,7 @@
   <p:timing>
     <p:tnLst>
       <p:par>
-        <p:cTn id="1" dur="indefinite" restart="never" nodeType="tmRoot">
+        <p:cTn xmlns:p14="http://schemas.microsoft.com/office/powerpoint/2010/main" id="1" dur="indefinite" restart="never" nodeType="tmRoot">
           <p:childTnLst>
             <p:seq>
               <p:cTn id="2" nodeType="mainSeq"/>
@@ -7449,12 +7818,12 @@
     </a:clrScheme>
     <a:fontScheme name="Crop">
       <a:majorFont>
-        <a:latin typeface="Franklin Gothic Book" panose="020B0503020102020204"/>
+        <a:latin typeface="Franklin Gothic Book"/>
         <a:ea typeface=""/>
         <a:cs typeface=""/>
       </a:majorFont>
       <a:minorFont>
-        <a:latin typeface="Franklin Gothic Book" panose="020B0503020102020204"/>
+        <a:latin typeface="Franklin Gothic Book"/>
         <a:ea typeface=""/>
         <a:cs typeface=""/>
       </a:minorFont>
@@ -7598,7 +7967,7 @@
   <a:extraClrSchemeLst/>
   <a:extLst>
     <a:ext uri="{05A4C25C-085E-4340-85A3-A5531E510DB2}">
-      <thm15:themeFamily xmlns:thm15="http://schemas.microsoft.com/office/thememl/2012/main" name="Crop" id="{EC9488ED-E761-4D60-9AC4-764D1FE2C171}" vid="{CE19780C-D67D-4C13-9DE9-A52BC3BA51B4}"/>
+      <thm15:themeFamily xmlns:thm15="http://schemas.microsoft.com/office/thememl/2012/main" xmlns="" name="Crop" id="{EC9488ED-E761-4D60-9AC4-764D1FE2C171}" vid="{CE19780C-D67D-4C13-9DE9-A52BC3BA51B4}"/>
     </a:ext>
   </a:extLst>
 </a:theme>
@@ -7647,7 +8016,7 @@
     </a:clrScheme>
     <a:fontScheme name="Office">
       <a:majorFont>
-        <a:latin typeface="Calibri Light" panose="020F0302020204030204"/>
+        <a:latin typeface="Calibri Light"/>
         <a:ea typeface=""/>
         <a:cs typeface=""/>
         <a:font script="Jpan" typeface="Yu Gothic Light"/>
@@ -7682,7 +8051,7 @@
         <a:font script="Geor" typeface="Sylfaen"/>
       </a:majorFont>
       <a:minorFont>
-        <a:latin typeface="Calibri" panose="020F0502020204030204"/>
+        <a:latin typeface="Calibri"/>
         <a:ea typeface=""/>
         <a:cs typeface=""/>
         <a:font script="Jpan" typeface="Yu Gothic"/>
@@ -7859,7 +8228,7 @@
   <a:extraClrSchemeLst/>
   <a:extLst>
     <a:ext uri="{05A4C25C-085E-4340-85A3-A5531E510DB2}">
-      <thm15:themeFamily xmlns:thm15="http://schemas.microsoft.com/office/thememl/2012/main" name="Office Theme" id="{62F939B6-93AF-4DB8-9C6B-D6C7DFDC589F}" vid="{4A3C46E8-61CC-4603-A589-7422A47A8E4A}"/>
+      <thm15:themeFamily xmlns:thm15="http://schemas.microsoft.com/office/thememl/2012/main" xmlns="" name="Office Theme" id="{62F939B6-93AF-4DB8-9C6B-D6C7DFDC589F}" vid="{4A3C46E8-61CC-4603-A589-7422A47A8E4A}"/>
     </a:ext>
   </a:extLst>
 </a:theme>

--- a/Team Lucky Cat Project Presentation.pptx
+++ b/Team Lucky Cat Project Presentation.pptx
@@ -5,7 +5,7 @@
     <p:sldMasterId id="2147483740" r:id="rId1"/>
   </p:sldMasterIdLst>
   <p:notesMasterIdLst>
-    <p:notesMasterId r:id="rId11"/>
+    <p:notesMasterId r:id="rId12"/>
   </p:notesMasterIdLst>
   <p:sldIdLst>
     <p:sldId id="256" r:id="rId2"/>
@@ -14,9 +14,10 @@
     <p:sldId id="258" r:id="rId5"/>
     <p:sldId id="259" r:id="rId6"/>
     <p:sldId id="260" r:id="rId7"/>
-    <p:sldId id="263" r:id="rId8"/>
-    <p:sldId id="264" r:id="rId9"/>
-    <p:sldId id="265" r:id="rId10"/>
+    <p:sldId id="266" r:id="rId8"/>
+    <p:sldId id="263" r:id="rId9"/>
+    <p:sldId id="264" r:id="rId10"/>
+    <p:sldId id="265" r:id="rId11"/>
   </p:sldIdLst>
   <p:sldSz cx="9144000" cy="5143500" type="screen16x9"/>
   <p:notesSz cx="6858000" cy="9144000"/>
@@ -117,7 +118,18 @@
   </p:defaultTextStyle>
   <p:extLst>
     <p:ext uri="{EFAFB233-063F-42B5-8137-9DF3F51BA10A}">
-      <p15:sldGuideLst xmlns:p15="http://schemas.microsoft.com/office/powerpoint/2012/main" xmlns=""/>
+      <p15:sldGuideLst xmlns:p15="http://schemas.microsoft.com/office/powerpoint/2012/main">
+        <p15:guide id="1" orient="horz" pos="1620">
+          <p15:clr>
+            <a:srgbClr val="A4A3A4"/>
+          </p15:clr>
+        </p15:guide>
+        <p15:guide id="2" pos="2880">
+          <p15:clr>
+            <a:srgbClr val="A4A3A4"/>
+          </p15:clr>
+        </p15:guide>
+      </p15:sldGuideLst>
     </p:ext>
   </p:extLst>
 </p:presentation>
@@ -205,7 +217,7 @@
           <a:p>
             <a:fld id="{6B58875E-06E4-E842-BF0B-BE2B8B35727E}" type="datetimeFigureOut">
               <a:rPr lang="en-US" smtClean="0"/>
-              <a:t>2/25/17</a:t>
+              <a:t>2/26/17</a:t>
             </a:fld>
             <a:endParaRPr lang="en-US"/>
           </a:p>
@@ -642,7 +654,7 @@
           <a:p>
             <a:fld id="{83284890-85D2-4D7B-8EF5-15A9C1DB8F42}" type="datetimeFigureOut">
               <a:rPr lang="en-US" smtClean="0"/>
-              <a:t>2/25/17</a:t>
+              <a:t>2/26/17</a:t>
             </a:fld>
             <a:endParaRPr lang="en-US"/>
           </a:p>
@@ -968,7 +980,7 @@
           <a:p>
             <a:fld id="{87157CC2-0FC8-4686-B024-99790E0F5162}" type="datetimeFigureOut">
               <a:rPr lang="en-US" smtClean="0"/>
-              <a:t>2/25/17</a:t>
+              <a:t>2/26/17</a:t>
             </a:fld>
             <a:endParaRPr lang="en-US"/>
           </a:p>
@@ -1169,7 +1181,7 @@
           <a:p>
             <a:fld id="{F6764DA5-CD3D-4590-A511-FCD3BC7A793E}" type="datetimeFigureOut">
               <a:rPr lang="en-US" smtClean="0"/>
-              <a:t>2/25/17</a:t>
+              <a:t>2/26/17</a:t>
             </a:fld>
             <a:endParaRPr lang="en-US"/>
           </a:p>
@@ -1360,7 +1372,7 @@
           <a:p>
             <a:fld id="{82F5661D-6934-4B32-B92C-470368BF1EC6}" type="datetimeFigureOut">
               <a:rPr lang="en-US" smtClean="0"/>
-              <a:t>2/25/17</a:t>
+              <a:t>2/26/17</a:t>
             </a:fld>
             <a:endParaRPr lang="en-US"/>
           </a:p>
@@ -1658,7 +1670,7 @@
           <a:p>
             <a:fld id="{C6F822A4-8DA6-4447-9B1F-C5DB58435268}" type="datetimeFigureOut">
               <a:rPr lang="en-US" smtClean="0"/>
-              <a:t>2/25/17</a:t>
+              <a:t>2/26/17</a:t>
             </a:fld>
             <a:endParaRPr lang="en-US" dirty="0"/>
           </a:p>
@@ -2073,7 +2085,7 @@
           <a:p>
             <a:fld id="{E548D31E-DCDA-41A7-9C67-C4B11B94D21D}" type="datetimeFigureOut">
               <a:rPr lang="en-US" smtClean="0"/>
-              <a:t>2/25/17</a:t>
+              <a:t>2/26/17</a:t>
             </a:fld>
             <a:endParaRPr lang="en-US"/>
           </a:p>
@@ -2571,7 +2583,7 @@
           <a:p>
             <a:fld id="{9B3762C0-B258-48F1-ADE6-176B4174CCDD}" type="datetimeFigureOut">
               <a:rPr lang="en-US" smtClean="0"/>
-              <a:t>2/25/17</a:t>
+              <a:t>2/26/17</a:t>
             </a:fld>
             <a:endParaRPr lang="en-US"/>
           </a:p>
@@ -2710,7 +2722,7 @@
           <a:p>
             <a:fld id="{677919A6-33EB-49BD-A62F-1FA56B9F9712}" type="datetimeFigureOut">
               <a:rPr lang="en-US" smtClean="0"/>
-              <a:t>2/25/17</a:t>
+              <a:t>2/26/17</a:t>
             </a:fld>
             <a:endParaRPr lang="en-US"/>
           </a:p>
@@ -2800,7 +2812,7 @@
           <a:p>
             <a:fld id="{CA4E7D1B-D673-4CF6-8672-009D42ABD2A0}" type="datetimeFigureOut">
               <a:rPr lang="en-US" smtClean="0"/>
-              <a:t>2/25/17</a:t>
+              <a:t>2/26/17</a:t>
             </a:fld>
             <a:endParaRPr lang="en-US"/>
           </a:p>
@@ -3167,7 +3179,7 @@
           <a:p>
             <a:fld id="{DA16AA21-1863-4931-97CB-99D0A168701B}" type="datetimeFigureOut">
               <a:rPr lang="en-US" smtClean="0"/>
-              <a:t>2/25/17</a:t>
+              <a:t>2/26/17</a:t>
             </a:fld>
             <a:endParaRPr lang="en-US"/>
           </a:p>
@@ -3576,7 +3588,7 @@
           <a:p>
             <a:fld id="{3772C379-9A7C-4C87-A116-CBE9F58B04C5}" type="datetimeFigureOut">
               <a:rPr lang="en-US" smtClean="0"/>
-              <a:t>2/25/17</a:t>
+              <a:t>2/26/17</a:t>
             </a:fld>
             <a:endParaRPr lang="en-US"/>
           </a:p>
@@ -3876,7 +3888,7 @@
             <a:fld id="{87DE6118-2437-4B30-8E3C-4D2BE6020583}" type="datetimeFigureOut">
               <a:rPr lang="en-US" dirty="0"/>
               <a:pPr/>
-              <a:t>2/25/17</a:t>
+              <a:t>2/26/17</a:t>
             </a:fld>
             <a:endParaRPr lang="en-US" dirty="0"/>
           </a:p>
@@ -4350,7 +4362,7 @@
   </p:txStyles>
   <p:extLst mod="1">
     <p:ext uri="{27BBF7A9-308A-43DC-89C8-2F10F3537804}">
-      <p15:sldGuideLst xmlns:p15="http://schemas.microsoft.com/office/powerpoint/2012/main" xmlns="">
+      <p15:sldGuideLst xmlns:p15="http://schemas.microsoft.com/office/powerpoint/2012/main">
         <p15:guide id="3" orient="horz" pos="1368">
           <p15:clr>
             <a:srgbClr val="F26B43"/>
@@ -4598,7 +4610,226 @@
   <p:timing>
     <p:tnLst>
       <p:par>
-        <p:cTn xmlns:p14="http://schemas.microsoft.com/office/powerpoint/2010/main" id="1" dur="indefinite" restart="never" nodeType="tmRoot">
+        <p:cTn id="1" dur="indefinite" restart="never" nodeType="tmRoot">
+          <p:childTnLst>
+            <p:seq>
+              <p:cTn id="2" nodeType="mainSeq"/>
+              <p:prevCondLst>
+                <p:cond evt="onPrev" delay="0">
+                  <p:tgtEl>
+                    <p:sldTgt/>
+                  </p:tgtEl>
+                </p:cond>
+              </p:prevCondLst>
+              <p:nextCondLst>
+                <p:cond evt="onNext" delay="0">
+                  <p:tgtEl>
+                    <p:sldTgt/>
+                  </p:tgtEl>
+                </p:cond>
+              </p:nextCondLst>
+            </p:seq>
+          </p:childTnLst>
+        </p:cTn>
+      </p:par>
+    </p:tnLst>
+  </p:timing>
+</p:sld>
+</file>
+
+<file path=ppt/slides/slide10.xml><?xml version="1.0" encoding="utf-8"?>
+<p:sld xmlns:a="http://schemas.openxmlformats.org/drawingml/2006/main" xmlns:r="http://schemas.openxmlformats.org/officeDocument/2006/relationships" xmlns:p="http://schemas.openxmlformats.org/presentationml/2006/main">
+  <p:cSld>
+    <p:spTree>
+      <p:nvGrpSpPr>
+        <p:cNvPr id="1" name=""/>
+        <p:cNvGrpSpPr/>
+        <p:nvPr/>
+      </p:nvGrpSpPr>
+      <p:grpSpPr>
+        <a:xfrm>
+          <a:off x="0" y="0"/>
+          <a:ext cx="0" cy="0"/>
+          <a:chOff x="0" y="0"/>
+          <a:chExt cx="0" cy="0"/>
+        </a:xfrm>
+      </p:grpSpPr>
+      <p:sp>
+        <p:nvSpPr>
+          <p:cNvPr id="82" name="TextShape 1"/>
+          <p:cNvSpPr txBox="1"/>
+          <p:nvPr/>
+        </p:nvSpPr>
+        <p:spPr>
+          <a:xfrm>
+            <a:off x="311760" y="444960"/>
+            <a:ext cx="8520120" cy="572400"/>
+          </a:xfrm>
+          <a:prstGeom prst="rect">
+            <a:avLst/>
+          </a:prstGeom>
+          <a:noFill/>
+          <a:ln>
+            <a:noFill/>
+          </a:ln>
+        </p:spPr>
+        <p:txBody>
+          <a:bodyPr tIns="91440" bIns="91440"/>
+          <a:lstStyle/>
+          <a:p>
+            <a:pPr>
+              <a:lnSpc>
+                <a:spcPct val="100000"/>
+              </a:lnSpc>
+            </a:pPr>
+            <a:r>
+              <a:rPr lang="en-US" sz="3600" b="1" spc="-1" dirty="0">
+                <a:solidFill>
+                  <a:schemeClr val="tx1">
+                    <a:lumMod val="85000"/>
+                    <a:lumOff val="15000"/>
+                  </a:schemeClr>
+                </a:solidFill>
+                <a:uFill>
+                  <a:solidFill>
+                    <a:srgbClr val="FFFFFF"/>
+                  </a:solidFill>
+                </a:uFill>
+                <a:latin typeface="PT Sans Narrow"/>
+                <a:ea typeface="Arial"/>
+                <a:cs typeface="PT Sans Narrow"/>
+              </a:rPr>
+              <a:t> </a:t>
+            </a:r>
+            <a:r>
+              <a:rPr lang="en-US" sz="3600" b="1" spc="-1" dirty="0" smtClean="0">
+                <a:solidFill>
+                  <a:schemeClr val="tx1">
+                    <a:lumMod val="85000"/>
+                    <a:lumOff val="15000"/>
+                  </a:schemeClr>
+                </a:solidFill>
+                <a:uFill>
+                  <a:solidFill>
+                    <a:srgbClr val="FFFFFF"/>
+                  </a:solidFill>
+                </a:uFill>
+                <a:latin typeface="PT Sans Narrow"/>
+                <a:ea typeface="Arial"/>
+                <a:cs typeface="PT Sans Narrow"/>
+              </a:rPr>
+              <a:t>     </a:t>
+            </a:r>
+            <a:r>
+              <a:rPr lang="en-US" sz="3600" b="1" strike="noStrike" spc="-1" dirty="0" smtClean="0">
+                <a:solidFill>
+                  <a:schemeClr val="tx1">
+                    <a:lumMod val="85000"/>
+                    <a:lumOff val="15000"/>
+                  </a:schemeClr>
+                </a:solidFill>
+                <a:uFill>
+                  <a:solidFill>
+                    <a:srgbClr val="FFFFFF"/>
+                  </a:solidFill>
+                </a:uFill>
+                <a:latin typeface="PT Sans Narrow"/>
+                <a:ea typeface="Arial"/>
+                <a:cs typeface="PT Sans Narrow"/>
+              </a:rPr>
+              <a:t>Thank you! </a:t>
+            </a:r>
+            <a:r>
+              <a:rPr lang="en-US" sz="3600" b="1" strike="noStrike" spc="-1" dirty="0" smtClean="0">
+                <a:solidFill>
+                  <a:schemeClr val="tx1">
+                    <a:lumMod val="85000"/>
+                    <a:lumOff val="15000"/>
+                  </a:schemeClr>
+                </a:solidFill>
+                <a:uFill>
+                  <a:solidFill>
+                    <a:srgbClr val="FFFFFF"/>
+                  </a:solidFill>
+                </a:uFill>
+                <a:latin typeface="PT Sans Narrow"/>
+                <a:ea typeface="Arial"/>
+                <a:cs typeface="PT Sans Narrow"/>
+                <a:sym typeface="Wingdings"/>
+              </a:rPr>
+              <a:t> </a:t>
+            </a:r>
+            <a:r>
+              <a:rPr lang="en-US" sz="3600" b="1" strike="noStrike" spc="-1" dirty="0">
+                <a:solidFill>
+                  <a:schemeClr val="tx1">
+                    <a:lumMod val="85000"/>
+                    <a:lumOff val="15000"/>
+                  </a:schemeClr>
+                </a:solidFill>
+                <a:uFill>
+                  <a:solidFill>
+                    <a:srgbClr val="FFFFFF"/>
+                  </a:solidFill>
+                </a:uFill>
+                <a:latin typeface="PT Sans Narrow"/>
+                <a:ea typeface="Arial"/>
+                <a:cs typeface="PT Sans Narrow"/>
+              </a:rPr>
+              <a:t>
+</a:t>
+            </a:r>
+            <a:r>
+              <a:rPr lang="en-US" sz="3600" b="1" strike="noStrike" spc="-1" dirty="0" smtClean="0">
+                <a:solidFill>
+                  <a:schemeClr val="tx1">
+                    <a:lumMod val="85000"/>
+                    <a:lumOff val="15000"/>
+                  </a:schemeClr>
+                </a:solidFill>
+                <a:uFill>
+                  <a:solidFill>
+                    <a:srgbClr val="FFFFFF"/>
+                  </a:solidFill>
+                </a:uFill>
+                <a:latin typeface="PT Sans Narrow"/>
+                <a:ea typeface="Arial"/>
+                <a:cs typeface="PT Sans Narrow"/>
+              </a:rPr>
+              <a:t> </a:t>
+            </a:r>
+            <a:endParaRPr lang="en-US" sz="3600" b="1" strike="noStrike" spc="-1" dirty="0">
+              <a:solidFill>
+                <a:schemeClr val="tx1">
+                  <a:lumMod val="85000"/>
+                  <a:lumOff val="15000"/>
+                </a:schemeClr>
+              </a:solidFill>
+              <a:uFill>
+                <a:solidFill>
+                  <a:srgbClr val="FFFFFF"/>
+                </a:solidFill>
+              </a:uFill>
+              <a:latin typeface="PT Sans Narrow"/>
+              <a:cs typeface="PT Sans Narrow"/>
+            </a:endParaRPr>
+          </a:p>
+        </p:txBody>
+      </p:sp>
+    </p:spTree>
+    <p:extLst>
+      <p:ext uri="{BB962C8B-B14F-4D97-AF65-F5344CB8AC3E}">
+        <p14:creationId xmlns:p14="http://schemas.microsoft.com/office/powerpoint/2010/main" val="1510966367"/>
+      </p:ext>
+    </p:extLst>
+  </p:cSld>
+  <p:clrMapOvr>
+    <a:masterClrMapping/>
+  </p:clrMapOvr>
+  <p:timing>
+    <p:tnLst>
+      <p:par>
+        <p:cTn id="1" dur="indefinite" restart="never" nodeType="tmRoot">
           <p:childTnLst>
             <p:seq>
               <p:cTn id="2" nodeType="mainSeq"/>
@@ -4725,26 +4956,7 @@
                 <a:ea typeface="Arial"/>
                 <a:cs typeface="PT Sans Narrow"/>
               </a:rPr>
-              <a:t>The </a:t>
-            </a:r>
-            <a:r>
-              <a:rPr lang="en-US" sz="3600" b="1" spc="-1" dirty="0" smtClean="0">
-                <a:solidFill>
-                  <a:schemeClr val="tx1">
-                    <a:lumMod val="85000"/>
-                    <a:lumOff val="15000"/>
-                  </a:schemeClr>
-                </a:solidFill>
-                <a:uFill>
-                  <a:solidFill>
-                    <a:srgbClr val="FFFFFF"/>
-                  </a:solidFill>
-                </a:uFill>
-                <a:latin typeface="PT Sans Narrow"/>
-                <a:ea typeface="Arial"/>
-                <a:cs typeface="PT Sans Narrow"/>
-              </a:rPr>
-              <a:t>Team</a:t>
+              <a:t>The Team</a:t>
             </a:r>
             <a:endParaRPr lang="en-US" sz="1400" b="1" strike="noStrike" spc="-1" dirty="0">
               <a:solidFill>
@@ -5271,7 +5483,7 @@
   <p:timing>
     <p:tnLst>
       <p:par>
-        <p:cTn xmlns:p14="http://schemas.microsoft.com/office/powerpoint/2010/main" id="1" dur="indefinite" restart="never" nodeType="tmRoot">
+        <p:cTn id="1" dur="indefinite" restart="never" nodeType="tmRoot">
           <p:childTnLst>
             <p:seq>
               <p:cTn id="2" nodeType="mainSeq"/>
@@ -5398,26 +5610,7 @@
                 <a:ea typeface="Arial"/>
                 <a:cs typeface="PT Sans Narrow"/>
               </a:rPr>
-              <a:t>The </a:t>
-            </a:r>
-            <a:r>
-              <a:rPr lang="en-US" sz="3600" b="1" spc="-1" dirty="0" smtClean="0">
-                <a:solidFill>
-                  <a:schemeClr val="tx1">
-                    <a:lumMod val="85000"/>
-                    <a:lumOff val="15000"/>
-                  </a:schemeClr>
-                </a:solidFill>
-                <a:uFill>
-                  <a:solidFill>
-                    <a:srgbClr val="FFFFFF"/>
-                  </a:solidFill>
-                </a:uFill>
-                <a:latin typeface="PT Sans Narrow"/>
-                <a:ea typeface="Arial"/>
-                <a:cs typeface="PT Sans Narrow"/>
-              </a:rPr>
-              <a:t>Problem</a:t>
+              <a:t>The Problem</a:t>
             </a:r>
             <a:endParaRPr lang="en-US" sz="1400" b="1" strike="noStrike" spc="-1" dirty="0">
               <a:solidFill>
@@ -5668,7 +5861,7 @@
   <p:timing>
     <p:tnLst>
       <p:par>
-        <p:cTn xmlns:p14="http://schemas.microsoft.com/office/powerpoint/2010/main" id="1" dur="indefinite" restart="never" nodeType="tmRoot">
+        <p:cTn id="1" dur="indefinite" restart="never" nodeType="tmRoot">
           <p:childTnLst>
             <p:seq>
               <p:cTn id="2" nodeType="mainSeq"/>
@@ -5776,45 +5969,7 @@
                 <a:ea typeface="Arial"/>
                 <a:cs typeface="PT Sans Narrow"/>
               </a:rPr>
-              <a:t>    </a:t>
-            </a:r>
-            <a:r>
-              <a:rPr lang="en-US" sz="3600" b="1" spc="-1" dirty="0" smtClean="0">
-                <a:solidFill>
-                  <a:schemeClr val="tx1">
-                    <a:lumMod val="85000"/>
-                    <a:lumOff val="15000"/>
-                  </a:schemeClr>
-                </a:solidFill>
-                <a:uFill>
-                  <a:solidFill>
-                    <a:srgbClr val="FFFFFF"/>
-                  </a:solidFill>
-                </a:uFill>
-                <a:latin typeface="PT Sans Narrow"/>
-                <a:ea typeface="Arial"/>
-                <a:cs typeface="PT Sans Narrow"/>
-              </a:rPr>
-              <a:t>Mental </a:t>
-            </a:r>
-            <a:r>
-              <a:rPr lang="en-US" sz="3600" b="1" spc="-1" dirty="0" smtClean="0">
-                <a:solidFill>
-                  <a:schemeClr val="tx1">
-                    <a:lumMod val="85000"/>
-                    <a:lumOff val="15000"/>
-                  </a:schemeClr>
-                </a:solidFill>
-                <a:uFill>
-                  <a:solidFill>
-                    <a:srgbClr val="FFFFFF"/>
-                  </a:solidFill>
-                </a:uFill>
-                <a:latin typeface="PT Sans Narrow"/>
-                <a:ea typeface="Arial"/>
-                <a:cs typeface="PT Sans Narrow"/>
-              </a:rPr>
-              <a:t>Health Dashboard</a:t>
+              <a:t>    Mental Health Dashboard</a:t>
             </a:r>
             <a:endParaRPr lang="en-US" sz="3600" b="1" strike="noStrike" spc="-1" dirty="0">
               <a:solidFill>
@@ -5903,10 +6058,10 @@
                 <a:ea typeface="Arial"/>
                 <a:cs typeface="PT Sans Narrow"/>
               </a:rPr>
-              <a:t>Generates a correlation between illness and community </a:t>
-            </a:r>
-            <a:r>
-              <a:rPr lang="en-US" sz="2000" spc="-1" dirty="0" smtClean="0">
+              <a:t>Generates a correlation between illness and community factors to </a:t>
+            </a:r>
+            <a:r>
+              <a:rPr lang="en-US" sz="2000" spc="-1" dirty="0">
                 <a:solidFill>
                   <a:srgbClr val="595959"/>
                 </a:solidFill>
@@ -5919,7 +6074,7 @@
                 <a:ea typeface="Arial"/>
                 <a:cs typeface="PT Sans Narrow"/>
               </a:rPr>
-              <a:t>factors </a:t>
+              <a:t>find predictors of </a:t>
             </a:r>
             <a:r>
               <a:rPr lang="en-US" sz="2000" spc="-1" dirty="0" smtClean="0">
@@ -5935,10 +6090,31 @@
                 <a:ea typeface="Arial"/>
                 <a:cs typeface="PT Sans Narrow"/>
               </a:rPr>
-              <a:t>to </a:t>
-            </a:r>
-            <a:r>
-              <a:rPr lang="en-US" sz="2000" spc="-1" dirty="0">
+              <a:t>mental health issues.</a:t>
+            </a:r>
+            <a:endParaRPr lang="en-US" sz="2000" b="0" strike="noStrike" spc="-1" dirty="0" smtClean="0">
+              <a:solidFill>
+                <a:srgbClr val="000000"/>
+              </a:solidFill>
+              <a:uFill>
+                <a:solidFill>
+                  <a:srgbClr val="FFFFFF"/>
+                </a:solidFill>
+              </a:uFill>
+              <a:latin typeface="PT Sans Narrow"/>
+              <a:cs typeface="PT Sans Narrow"/>
+            </a:endParaRPr>
+          </a:p>
+          <a:p>
+            <a:pPr marL="285750" indent="-285750">
+              <a:lnSpc>
+                <a:spcPct val="150000"/>
+              </a:lnSpc>
+              <a:buFont typeface="Arial" charset="0"/>
+              <a:buChar char="•"/>
+            </a:pPr>
+            <a:r>
+              <a:rPr lang="en-US" sz="2000" b="0" strike="noStrike" spc="-1" dirty="0" smtClean="0">
                 <a:solidFill>
                   <a:srgbClr val="595959"/>
                 </a:solidFill>
@@ -5951,8 +6127,17 @@
                 <a:ea typeface="Arial"/>
                 <a:cs typeface="PT Sans Narrow"/>
               </a:rPr>
-              <a:t>find predictors of </a:t>
-            </a:r>
+              <a:t>Generates an interactive map of counties and their respective rates of illness, community health.</a:t>
+            </a:r>
+          </a:p>
+          <a:p>
+            <a:pPr marL="285750" indent="-285750">
+              <a:lnSpc>
+                <a:spcPct val="150000"/>
+              </a:lnSpc>
+              <a:buFont typeface="Arial" charset="0"/>
+              <a:buChar char="•"/>
+            </a:pPr>
             <a:r>
               <a:rPr lang="en-US" sz="2000" spc="-1" dirty="0" smtClean="0">
                 <a:solidFill>
@@ -5967,68 +6152,6 @@
                 <a:ea typeface="Arial"/>
                 <a:cs typeface="PT Sans Narrow"/>
               </a:rPr>
-              <a:t>mental health issues.</a:t>
-            </a:r>
-            <a:endParaRPr lang="en-US" sz="2000" b="0" strike="noStrike" spc="-1" dirty="0" smtClean="0">
-              <a:solidFill>
-                <a:srgbClr val="000000"/>
-              </a:solidFill>
-              <a:uFill>
-                <a:solidFill>
-                  <a:srgbClr val="FFFFFF"/>
-                </a:solidFill>
-              </a:uFill>
-              <a:latin typeface="PT Sans Narrow"/>
-              <a:cs typeface="PT Sans Narrow"/>
-            </a:endParaRPr>
-          </a:p>
-          <a:p>
-            <a:pPr marL="285750" indent="-285750">
-              <a:lnSpc>
-                <a:spcPct val="150000"/>
-              </a:lnSpc>
-              <a:buFont typeface="Arial" charset="0"/>
-              <a:buChar char="•"/>
-            </a:pPr>
-            <a:r>
-              <a:rPr lang="en-US" sz="2000" b="0" strike="noStrike" spc="-1" dirty="0" smtClean="0">
-                <a:solidFill>
-                  <a:srgbClr val="595959"/>
-                </a:solidFill>
-                <a:uFill>
-                  <a:solidFill>
-                    <a:srgbClr val="FFFFFF"/>
-                  </a:solidFill>
-                </a:uFill>
-                <a:latin typeface="PT Sans Narrow"/>
-                <a:ea typeface="Arial"/>
-                <a:cs typeface="PT Sans Narrow"/>
-              </a:rPr>
-              <a:t>Generates an interactive map of counties and their respective rates of illness, community health.</a:t>
-            </a:r>
-          </a:p>
-          <a:p>
-            <a:pPr marL="285750" indent="-285750">
-              <a:lnSpc>
-                <a:spcPct val="150000"/>
-              </a:lnSpc>
-              <a:buFont typeface="Arial" charset="0"/>
-              <a:buChar char="•"/>
-            </a:pPr>
-            <a:r>
-              <a:rPr lang="en-US" sz="2000" spc="-1" dirty="0" smtClean="0">
-                <a:solidFill>
-                  <a:srgbClr val="595959"/>
-                </a:solidFill>
-                <a:uFill>
-                  <a:solidFill>
-                    <a:srgbClr val="FFFFFF"/>
-                  </a:solidFill>
-                </a:uFill>
-                <a:latin typeface="PT Sans Narrow"/>
-                <a:ea typeface="Arial"/>
-                <a:cs typeface="PT Sans Narrow"/>
-              </a:rPr>
               <a:t>Users can input data and get recommendations based on analyzed data.</a:t>
             </a:r>
             <a:endParaRPr lang="en-US" sz="2000" b="0" strike="noStrike" spc="-1" dirty="0">
@@ -6054,7 +6177,7 @@
   <p:timing>
     <p:tnLst>
       <p:par>
-        <p:cTn xmlns:p14="http://schemas.microsoft.com/office/powerpoint/2010/main" id="1" dur="indefinite" restart="never" nodeType="tmRoot">
+        <p:cTn id="1" dur="indefinite" restart="never" nodeType="tmRoot">
           <p:childTnLst>
             <p:seq>
               <p:cTn id="2" nodeType="mainSeq"/>
@@ -6143,26 +6266,7 @@
                 <a:ea typeface="Arial"/>
                 <a:cs typeface="PT Sans"/>
               </a:rPr>
-              <a:t> </a:t>
-            </a:r>
-            <a:r>
-              <a:rPr lang="en-US" sz="3600" b="1" spc="-1" dirty="0">
-                <a:solidFill>
-                  <a:schemeClr val="tx1">
-                    <a:lumMod val="85000"/>
-                    <a:lumOff val="15000"/>
-                  </a:schemeClr>
-                </a:solidFill>
-                <a:uFill>
-                  <a:solidFill>
-                    <a:srgbClr val="FFFFFF"/>
-                  </a:solidFill>
-                </a:uFill>
-                <a:latin typeface="PT Sans"/>
-                <a:ea typeface="Arial"/>
-                <a:cs typeface="PT Sans"/>
-              </a:rPr>
-              <a:t> </a:t>
+              <a:t>  </a:t>
             </a:r>
             <a:r>
               <a:rPr lang="en-US" sz="3600" b="1" spc="-1" dirty="0" smtClean="0">
@@ -6466,7 +6570,7 @@
   <p:timing>
     <p:tnLst>
       <p:par>
-        <p:cTn xmlns:p14="http://schemas.microsoft.com/office/powerpoint/2010/main" id="1" dur="indefinite" restart="never" nodeType="tmRoot">
+        <p:cTn id="1" dur="indefinite" restart="never" nodeType="tmRoot">
           <p:childTnLst>
             <p:seq>
               <p:cTn id="2" nodeType="mainSeq"/>
@@ -6737,7 +6841,7 @@
   <p:timing>
     <p:tnLst>
       <p:par>
-        <p:cTn xmlns:p14="http://schemas.microsoft.com/office/powerpoint/2010/main" id="1" dur="indefinite" restart="never" nodeType="tmRoot">
+        <p:cTn id="1" dur="indefinite" restart="never" nodeType="tmRoot">
           <p:childTnLst>
             <p:seq>
               <p:cTn id="2" nodeType="mainSeq"/>
@@ -6810,7 +6914,7 @@
               </a:lnSpc>
             </a:pPr>
             <a:r>
-              <a:rPr lang="en-US" sz="3600" b="1" spc="-1" dirty="0">
+              <a:rPr lang="en-US" sz="3600" b="1" spc="-1" dirty="0" smtClean="0">
                 <a:solidFill>
                   <a:schemeClr val="tx1">
                     <a:lumMod val="85000"/>
@@ -6826,7 +6930,7 @@
                 <a:ea typeface="Arial"/>
                 <a:cs typeface="PT Sans Narrow"/>
               </a:rPr>
-              <a:t> </a:t>
+              <a:t>      </a:t>
             </a:r>
             <a:r>
               <a:rPr lang="en-US" sz="3600" b="1" spc="-1" dirty="0" smtClean="0">
@@ -6845,10 +6949,10 @@
                 <a:ea typeface="Arial"/>
                 <a:cs typeface="PT Sans Narrow"/>
               </a:rPr>
-              <a:t>    </a:t>
-            </a:r>
-            <a:r>
-              <a:rPr lang="en-US" sz="3600" b="1" strike="noStrike" spc="-1" dirty="0" smtClean="0">
+              <a:t>Analysis</a:t>
+            </a:r>
+            <a:r>
+              <a:rPr lang="en-US" sz="3600" b="1" strike="noStrike" spc="-1" dirty="0">
                 <a:solidFill>
                   <a:schemeClr val="tx1">
                     <a:lumMod val="85000"/>
@@ -6864,44 +6968,6 @@
                 <a:ea typeface="Arial"/>
                 <a:cs typeface="PT Sans Narrow"/>
               </a:rPr>
-              <a:t>The </a:t>
-            </a:r>
-            <a:r>
-              <a:rPr lang="en-US" sz="3600" b="1" strike="noStrike" spc="-1" dirty="0" smtClean="0">
-                <a:solidFill>
-                  <a:schemeClr val="tx1">
-                    <a:lumMod val="85000"/>
-                    <a:lumOff val="15000"/>
-                  </a:schemeClr>
-                </a:solidFill>
-                <a:uFill>
-                  <a:solidFill>
-                    <a:srgbClr val="FFFFFF"/>
-                  </a:solidFill>
-                </a:uFill>
-                <a:latin typeface="PT Sans Narrow"/>
-                <a:ea typeface="Arial"/>
-                <a:cs typeface="PT Sans Narrow"/>
-              </a:rPr>
-              <a:t>Impact</a:t>
-            </a:r>
-            <a:r>
-              <a:rPr lang="en-US" sz="3600" b="1" strike="noStrike" spc="-1" dirty="0">
-                <a:solidFill>
-                  <a:schemeClr val="tx1">
-                    <a:lumMod val="85000"/>
-                    <a:lumOff val="15000"/>
-                  </a:schemeClr>
-                </a:solidFill>
-                <a:uFill>
-                  <a:solidFill>
-                    <a:srgbClr val="FFFFFF"/>
-                  </a:solidFill>
-                </a:uFill>
-                <a:latin typeface="PT Sans Narrow"/>
-                <a:ea typeface="Arial"/>
-                <a:cs typeface="PT Sans Narrow"/>
-              </a:rPr>
               <a:t>
 </a:t>
             </a:r>
@@ -6926,6 +6992,55 @@
       <p:sp>
         <p:nvSpPr>
           <p:cNvPr id="83" name="TextShape 2"/>
+          <p:cNvSpPr txBox="1"/>
+          <p:nvPr/>
+        </p:nvSpPr>
+        <p:spPr>
+          <a:xfrm>
+            <a:off x="526092" y="1152360"/>
+            <a:ext cx="8305787" cy="3416040"/>
+          </a:xfrm>
+          <a:prstGeom prst="rect">
+            <a:avLst/>
+          </a:prstGeom>
+          <a:noFill/>
+          <a:ln>
+            <a:noFill/>
+          </a:ln>
+        </p:spPr>
+        <p:txBody>
+          <a:bodyPr tIns="91440" bIns="91440"/>
+          <a:lstStyle/>
+          <a:p>
+            <a:pPr marL="342900" lvl="0" indent="-342900">
+              <a:lnSpc>
+                <a:spcPct val="150000"/>
+              </a:lnSpc>
+              <a:buFont typeface="Arial" charset="0"/>
+              <a:buChar char="•"/>
+            </a:pPr>
+            <a:endParaRPr lang="en-US" sz="2000" b="0" strike="noStrike" spc="-1" dirty="0">
+              <a:solidFill>
+                <a:schemeClr val="tx1">
+                  <a:lumMod val="65000"/>
+                  <a:lumOff val="35000"/>
+                </a:schemeClr>
+              </a:solidFill>
+              <a:uFill>
+                <a:solidFill>
+                  <a:srgbClr val="FFFFFF"/>
+                </a:solidFill>
+              </a:uFill>
+              <a:latin typeface="Arial" charset="0"/>
+              <a:ea typeface="Arial" charset="0"/>
+              <a:cs typeface="Arial" charset="0"/>
+            </a:endParaRPr>
+          </a:p>
+        </p:txBody>
+      </p:sp>
+      <p:sp>
+        <p:nvSpPr>
+          <p:cNvPr id="4" name="TextShape 2"/>
           <p:cNvSpPr txBox="1"/>
           <p:nvPr/>
         </p:nvSpPr>
@@ -6946,168 +7061,11 @@
           <a:bodyPr tIns="91440" bIns="91440"/>
           <a:lstStyle/>
           <a:p>
-            <a:pPr marL="342900" lvl="0" indent="-342900">
+            <a:pPr lvl="0">
               <a:lnSpc>
                 <a:spcPct val="150000"/>
               </a:lnSpc>
-              <a:buFont typeface="Arial" charset="0"/>
-              <a:buChar char="•"/>
             </a:pPr>
-            <a:r>
-              <a:rPr lang="en-US" sz="2000" dirty="0">
-                <a:solidFill>
-                  <a:schemeClr val="tx1">
-                    <a:lumMod val="65000"/>
-                    <a:lumOff val="35000"/>
-                  </a:schemeClr>
-                </a:solidFill>
-                <a:latin typeface="PT Sans Narrow"/>
-                <a:ea typeface="Arial" charset="0"/>
-                <a:cs typeface="PT Sans Narrow"/>
-              </a:rPr>
-              <a:t>Better understanding </a:t>
-            </a:r>
-            <a:r>
-              <a:rPr lang="en-US" sz="2000" dirty="0" smtClean="0">
-                <a:solidFill>
-                  <a:schemeClr val="tx1">
-                    <a:lumMod val="65000"/>
-                    <a:lumOff val="35000"/>
-                  </a:schemeClr>
-                </a:solidFill>
-                <a:latin typeface="PT Sans Narrow"/>
-                <a:ea typeface="Arial" charset="0"/>
-                <a:cs typeface="PT Sans Narrow"/>
-              </a:rPr>
-              <a:t>on what </a:t>
-            </a:r>
-            <a:r>
-              <a:rPr lang="en-US" sz="2000" dirty="0">
-                <a:solidFill>
-                  <a:schemeClr val="tx1">
-                    <a:lumMod val="65000"/>
-                    <a:lumOff val="35000"/>
-                  </a:schemeClr>
-                </a:solidFill>
-                <a:latin typeface="PT Sans Narrow"/>
-                <a:ea typeface="Arial" charset="0"/>
-                <a:cs typeface="PT Sans Narrow"/>
-              </a:rPr>
-              <a:t>community and region specific factors affect mental health. </a:t>
-            </a:r>
-          </a:p>
-          <a:p>
-            <a:pPr marL="342900" lvl="0" indent="-342900">
-              <a:lnSpc>
-                <a:spcPct val="150000"/>
-              </a:lnSpc>
-              <a:buFont typeface="Arial" charset="0"/>
-              <a:buChar char="•"/>
-            </a:pPr>
-            <a:r>
-              <a:rPr lang="en-US" sz="2000" spc="-1" dirty="0">
-                <a:solidFill>
-                  <a:schemeClr val="tx1">
-                    <a:lumMod val="65000"/>
-                    <a:lumOff val="35000"/>
-                  </a:schemeClr>
-                </a:solidFill>
-                <a:uFill>
-                  <a:solidFill>
-                    <a:srgbClr val="FFFFFF"/>
-                  </a:solidFill>
-                </a:uFill>
-                <a:latin typeface="PT Sans Narrow"/>
-                <a:ea typeface="Arial" charset="0"/>
-                <a:cs typeface="PT Sans Narrow"/>
-              </a:rPr>
-              <a:t>User by </a:t>
-            </a:r>
-            <a:r>
-              <a:rPr lang="en-US" sz="2000" spc="-1" dirty="0" smtClean="0">
-                <a:solidFill>
-                  <a:schemeClr val="tx1">
-                    <a:lumMod val="65000"/>
-                    <a:lumOff val="35000"/>
-                  </a:schemeClr>
-                </a:solidFill>
-                <a:uFill>
-                  <a:solidFill>
-                    <a:srgbClr val="FFFFFF"/>
-                  </a:solidFill>
-                </a:uFill>
-                <a:latin typeface="PT Sans Narrow"/>
-                <a:ea typeface="Arial" charset="0"/>
-                <a:cs typeface="PT Sans Narrow"/>
-              </a:rPr>
-              <a:t>user </a:t>
-            </a:r>
-            <a:r>
-              <a:rPr lang="en-US" sz="2000" spc="-1" dirty="0">
-                <a:solidFill>
-                  <a:schemeClr val="tx1">
-                    <a:lumMod val="65000"/>
-                    <a:lumOff val="35000"/>
-                  </a:schemeClr>
-                </a:solidFill>
-                <a:uFill>
-                  <a:solidFill>
-                    <a:srgbClr val="FFFFFF"/>
-                  </a:solidFill>
-                </a:uFill>
-                <a:latin typeface="PT Sans Narrow"/>
-                <a:ea typeface="Arial" charset="0"/>
-                <a:cs typeface="PT Sans Narrow"/>
-              </a:rPr>
-              <a:t>recommendations based on areas and the factors of said areas.</a:t>
-            </a:r>
-          </a:p>
-          <a:p>
-            <a:pPr marL="342900" lvl="0" indent="-342900">
-              <a:lnSpc>
-                <a:spcPct val="150000"/>
-              </a:lnSpc>
-              <a:buFont typeface="Arial" charset="0"/>
-              <a:buChar char="•"/>
-            </a:pPr>
-            <a:r>
-              <a:rPr lang="en-US" sz="2000" spc="-1" dirty="0">
-                <a:solidFill>
-                  <a:schemeClr val="tx1">
-                    <a:lumMod val="65000"/>
-                    <a:lumOff val="35000"/>
-                  </a:schemeClr>
-                </a:solidFill>
-                <a:uFill>
-                  <a:solidFill>
-                    <a:srgbClr val="FFFFFF"/>
-                  </a:solidFill>
-                </a:uFill>
-                <a:latin typeface="PT Sans Narrow"/>
-                <a:ea typeface="Arial" charset="0"/>
-                <a:cs typeface="PT Sans Narrow"/>
-              </a:rPr>
-              <a:t>Department planning for future areas</a:t>
-            </a:r>
-            <a:r>
-              <a:rPr lang="en-US" sz="2000" spc="-1" dirty="0" smtClean="0">
-                <a:solidFill>
-                  <a:schemeClr val="tx1">
-                    <a:lumMod val="65000"/>
-                    <a:lumOff val="35000"/>
-                  </a:schemeClr>
-                </a:solidFill>
-                <a:uFill>
-                  <a:solidFill>
-                    <a:srgbClr val="FFFFFF"/>
-                  </a:solidFill>
-                </a:uFill>
-                <a:latin typeface="PT Sans Narrow"/>
-                <a:ea typeface="Arial" charset="0"/>
-                <a:cs typeface="PT Sans Narrow"/>
-              </a:rPr>
-              <a:t>.</a:t>
-            </a:r>
             <a:endParaRPr lang="en-US" sz="2000" spc="-1" dirty="0">
               <a:solidFill>
                 <a:schemeClr val="tx1">
@@ -7127,10 +7085,34 @@
           </a:p>
         </p:txBody>
       </p:sp>
+      <p:pic>
+        <p:nvPicPr>
+          <p:cNvPr id="2" name="Picture 1"/>
+          <p:cNvPicPr>
+            <a:picLocks noChangeAspect="1"/>
+          </p:cNvPicPr>
+          <p:nvPr/>
+        </p:nvPicPr>
+        <p:blipFill>
+          <a:blip r:embed="rId2"/>
+          <a:stretch>
+            <a:fillRect/>
+          </a:stretch>
+        </p:blipFill>
+        <p:spPr>
+          <a:xfrm>
+            <a:off x="2188600" y="1017360"/>
+            <a:ext cx="6326749" cy="4126140"/>
+          </a:xfrm>
+          <a:prstGeom prst="rect">
+            <a:avLst/>
+          </a:prstGeom>
+        </p:spPr>
+      </p:pic>
     </p:spTree>
     <p:extLst>
       <p:ext uri="{BB962C8B-B14F-4D97-AF65-F5344CB8AC3E}">
-        <p14:creationId xmlns:p14="http://schemas.microsoft.com/office/powerpoint/2010/main" val="469799168"/>
+        <p14:creationId xmlns:p14="http://schemas.microsoft.com/office/powerpoint/2010/main" val="564386103"/>
       </p:ext>
     </p:extLst>
   </p:cSld>
@@ -7140,7 +7122,7 @@
   <p:timing>
     <p:tnLst>
       <p:par>
-        <p:cTn xmlns:p14="http://schemas.microsoft.com/office/powerpoint/2010/main" id="1" dur="indefinite" restart="never" nodeType="tmRoot">
+        <p:cTn id="1" dur="indefinite" restart="never" nodeType="tmRoot">
           <p:childTnLst>
             <p:seq>
               <p:cTn id="2" nodeType="mainSeq"/>
@@ -7267,10 +7249,10 @@
                 <a:ea typeface="Arial"/>
                 <a:cs typeface="PT Sans Narrow"/>
               </a:rPr>
-              <a:t>Next </a:t>
-            </a:r>
-            <a:r>
-              <a:rPr lang="en-US" sz="3600" b="1" strike="noStrike" spc="-1" dirty="0" smtClean="0">
+              <a:t>The Impact</a:t>
+            </a:r>
+            <a:r>
+              <a:rPr lang="en-US" sz="3600" b="1" strike="noStrike" spc="-1" dirty="0">
                 <a:solidFill>
                   <a:schemeClr val="tx1">
                     <a:lumMod val="85000"/>
@@ -7286,25 +7268,6 @@
                 <a:ea typeface="Arial"/>
                 <a:cs typeface="PT Sans Narrow"/>
               </a:rPr>
-              <a:t>Steps</a:t>
-            </a:r>
-            <a:r>
-              <a:rPr lang="en-US" sz="3600" b="1" strike="noStrike" spc="-1" dirty="0">
-                <a:solidFill>
-                  <a:schemeClr val="tx1">
-                    <a:lumMod val="85000"/>
-                    <a:lumOff val="15000"/>
-                  </a:schemeClr>
-                </a:solidFill>
-                <a:uFill>
-                  <a:solidFill>
-                    <a:srgbClr val="FFFFFF"/>
-                  </a:solidFill>
-                </a:uFill>
-                <a:latin typeface="PT Sans Narrow"/>
-                <a:ea typeface="Arial"/>
-                <a:cs typeface="PT Sans Narrow"/>
-              </a:rPr>
               <a:t>
 </a:t>
             </a:r>
@@ -7334,8 +7297,8 @@
         </p:nvSpPr>
         <p:spPr>
           <a:xfrm>
-            <a:off x="706008" y="1172303"/>
-            <a:ext cx="6924575" cy="3416040"/>
+            <a:off x="674259" y="1193470"/>
+            <a:ext cx="8305787" cy="3416040"/>
           </a:xfrm>
           <a:prstGeom prst="rect">
             <a:avLst/>
@@ -7357,7 +7320,58 @@
               <a:buChar char="•"/>
             </a:pPr>
             <a:r>
-              <a:rPr lang="en-US" sz="2000" spc="-1" dirty="0" smtClean="0">
+              <a:rPr lang="en-US" sz="2000" dirty="0">
+                <a:solidFill>
+                  <a:schemeClr val="tx1">
+                    <a:lumMod val="65000"/>
+                    <a:lumOff val="35000"/>
+                  </a:schemeClr>
+                </a:solidFill>
+                <a:latin typeface="PT Sans Narrow"/>
+                <a:ea typeface="Arial" charset="0"/>
+                <a:cs typeface="PT Sans Narrow"/>
+              </a:rPr>
+              <a:t>Better understanding </a:t>
+            </a:r>
+            <a:r>
+              <a:rPr lang="en-US" sz="2000" dirty="0" smtClean="0">
+                <a:solidFill>
+                  <a:schemeClr val="tx1">
+                    <a:lumMod val="65000"/>
+                    <a:lumOff val="35000"/>
+                  </a:schemeClr>
+                </a:solidFill>
+                <a:latin typeface="PT Sans Narrow"/>
+                <a:ea typeface="Arial" charset="0"/>
+                <a:cs typeface="PT Sans Narrow"/>
+              </a:rPr>
+              <a:t>on what </a:t>
+            </a:r>
+            <a:r>
+              <a:rPr lang="en-US" sz="2000" dirty="0">
+                <a:solidFill>
+                  <a:schemeClr val="tx1">
+                    <a:lumMod val="65000"/>
+                    <a:lumOff val="35000"/>
+                  </a:schemeClr>
+                </a:solidFill>
+                <a:latin typeface="PT Sans Narrow"/>
+                <a:ea typeface="Arial" charset="0"/>
+                <a:cs typeface="PT Sans Narrow"/>
+              </a:rPr>
+              <a:t>community and region specific factors affect mental health. </a:t>
+            </a:r>
+          </a:p>
+          <a:p>
+            <a:pPr marL="342900" lvl="0" indent="-342900">
+              <a:lnSpc>
+                <a:spcPct val="150000"/>
+              </a:lnSpc>
+              <a:buFont typeface="Arial" charset="0"/>
+              <a:buChar char="•"/>
+            </a:pPr>
+            <a:r>
+              <a:rPr lang="en-US" sz="2000" spc="-1" dirty="0">
                 <a:solidFill>
                   <a:schemeClr val="tx1">
                     <a:lumMod val="65000"/>
@@ -7373,17 +7387,8 @@
                 <a:ea typeface="Arial" charset="0"/>
                 <a:cs typeface="PT Sans Narrow"/>
               </a:rPr>
-              <a:t>More data</a:t>
-            </a:r>
-          </a:p>
-          <a:p>
-            <a:pPr marL="800100" lvl="1" indent="-342900">
-              <a:lnSpc>
-                <a:spcPct val="150000"/>
-              </a:lnSpc>
-              <a:buFont typeface="Arial" charset="0"/>
-              <a:buChar char="•"/>
-            </a:pPr>
+              <a:t>User by </a:t>
+            </a:r>
             <a:r>
               <a:rPr lang="en-US" sz="2000" spc="-1" dirty="0" smtClean="0">
                 <a:solidFill>
@@ -7401,7 +7406,73 @@
                 <a:ea typeface="Arial" charset="0"/>
                 <a:cs typeface="PT Sans Narrow"/>
               </a:rPr>
-              <a:t>Updated datasets, expanding current datasets, user input</a:t>
+              <a:t>user </a:t>
+            </a:r>
+            <a:r>
+              <a:rPr lang="en-US" sz="2000" spc="-1" dirty="0">
+                <a:solidFill>
+                  <a:schemeClr val="tx1">
+                    <a:lumMod val="65000"/>
+                    <a:lumOff val="35000"/>
+                  </a:schemeClr>
+                </a:solidFill>
+                <a:uFill>
+                  <a:solidFill>
+                    <a:srgbClr val="FFFFFF"/>
+                  </a:solidFill>
+                </a:uFill>
+                <a:latin typeface="PT Sans Narrow"/>
+                <a:ea typeface="Arial" charset="0"/>
+                <a:cs typeface="PT Sans Narrow"/>
+              </a:rPr>
+              <a:t>recommendations based on areas and the factors of said areas.</a:t>
+            </a:r>
+          </a:p>
+          <a:p>
+            <a:pPr marL="342900" lvl="0" indent="-342900">
+              <a:lnSpc>
+                <a:spcPct val="150000"/>
+              </a:lnSpc>
+              <a:buFont typeface="Arial" charset="0"/>
+              <a:buChar char="•"/>
+            </a:pPr>
+            <a:r>
+              <a:rPr lang="en-US" sz="2000" spc="-1" dirty="0">
+                <a:solidFill>
+                  <a:schemeClr val="tx1">
+                    <a:lumMod val="65000"/>
+                    <a:lumOff val="35000"/>
+                  </a:schemeClr>
+                </a:solidFill>
+                <a:uFill>
+                  <a:solidFill>
+                    <a:srgbClr val="FFFFFF"/>
+                  </a:solidFill>
+                </a:uFill>
+                <a:latin typeface="PT Sans Narrow"/>
+                <a:ea typeface="Arial" charset="0"/>
+                <a:cs typeface="PT Sans Narrow"/>
+              </a:rPr>
+              <a:t>Department planning for future areas</a:t>
+            </a:r>
+            <a:r>
+              <a:rPr lang="en-US" sz="2000" spc="-1" dirty="0" smtClean="0">
+                <a:solidFill>
+                  <a:schemeClr val="tx1">
+                    <a:lumMod val="65000"/>
+                    <a:lumOff val="35000"/>
+                  </a:schemeClr>
+                </a:solidFill>
+                <a:uFill>
+                  <a:solidFill>
+                    <a:srgbClr val="FFFFFF"/>
+                  </a:solidFill>
+                </a:uFill>
+                <a:latin typeface="PT Sans Narrow"/>
+                <a:ea typeface="Arial" charset="0"/>
+                <a:cs typeface="PT Sans Narrow"/>
+              </a:rPr>
+              <a:t>.</a:t>
             </a:r>
             <a:endParaRPr lang="en-US" sz="2000" spc="-1" dirty="0">
               <a:solidFill>
@@ -7420,68 +7491,12 @@
               <a:cs typeface="PT Sans Narrow"/>
             </a:endParaRPr>
           </a:p>
-          <a:p>
-            <a:pPr marL="342900" indent="-342900">
-              <a:lnSpc>
-                <a:spcPct val="150000"/>
-              </a:lnSpc>
-              <a:buFont typeface="Arial" charset="0"/>
-              <a:buChar char="•"/>
-            </a:pPr>
-            <a:r>
-              <a:rPr lang="en-US" sz="2000" spc="-1" dirty="0" smtClean="0">
-                <a:solidFill>
-                  <a:schemeClr val="tx1">
-                    <a:lumMod val="65000"/>
-                    <a:lumOff val="35000"/>
-                  </a:schemeClr>
-                </a:solidFill>
-                <a:uFill>
-                  <a:solidFill>
-                    <a:srgbClr val="FFFFFF"/>
-                  </a:solidFill>
-                </a:uFill>
-                <a:latin typeface="PT Sans Narrow"/>
-                <a:ea typeface="Arial" charset="0"/>
-                <a:cs typeface="PT Sans Narrow"/>
-              </a:rPr>
-              <a:t>Dedicated databases/servers</a:t>
-            </a:r>
-          </a:p>
-          <a:p>
-            <a:pPr marL="342900" indent="-342900">
-              <a:lnSpc>
-                <a:spcPct val="150000"/>
-              </a:lnSpc>
-              <a:buFont typeface="Arial" charset="0"/>
-              <a:buChar char="•"/>
-            </a:pPr>
-            <a:r>
-              <a:rPr lang="en-US" sz="2000" spc="-1" dirty="0" smtClean="0">
-                <a:solidFill>
-                  <a:schemeClr val="tx1">
-                    <a:lumMod val="65000"/>
-                    <a:lumOff val="35000"/>
-                  </a:schemeClr>
-                </a:solidFill>
-                <a:uFill>
-                  <a:solidFill>
-                    <a:srgbClr val="FFFFFF"/>
-                  </a:solidFill>
-                </a:uFill>
-                <a:latin typeface="PT Sans Narrow"/>
-                <a:ea typeface="Arial" charset="0"/>
-                <a:cs typeface="PT Sans Narrow"/>
-              </a:rPr>
-              <a:t>Strong security measures</a:t>
-            </a:r>
-          </a:p>
         </p:txBody>
       </p:sp>
     </p:spTree>
     <p:extLst>
       <p:ext uri="{BB962C8B-B14F-4D97-AF65-F5344CB8AC3E}">
-        <p14:creationId xmlns:p14="http://schemas.microsoft.com/office/powerpoint/2010/main" val="1764730204"/>
+        <p14:creationId xmlns:p14="http://schemas.microsoft.com/office/powerpoint/2010/main" val="469799168"/>
       </p:ext>
     </p:extLst>
   </p:cSld>
@@ -7491,7 +7506,7 @@
   <p:timing>
     <p:tnLst>
       <p:par>
-        <p:cTn xmlns:p14="http://schemas.microsoft.com/office/powerpoint/2010/main" id="1" dur="indefinite" restart="never" nodeType="tmRoot">
+        <p:cTn id="1" dur="indefinite" restart="never" nodeType="tmRoot">
           <p:childTnLst>
             <p:seq>
               <p:cTn id="2" nodeType="mainSeq"/>
@@ -7599,7 +7614,7 @@
                 <a:ea typeface="Arial"/>
                 <a:cs typeface="PT Sans Narrow"/>
               </a:rPr>
-              <a:t>     </a:t>
+              <a:t>    </a:t>
             </a:r>
             <a:r>
               <a:rPr lang="en-US" sz="3600" b="1" strike="noStrike" spc="-1" dirty="0" smtClean="0">
@@ -7618,10 +7633,10 @@
                 <a:ea typeface="Arial"/>
                 <a:cs typeface="PT Sans Narrow"/>
               </a:rPr>
-              <a:t>Thank </a:t>
-            </a:r>
-            <a:r>
-              <a:rPr lang="en-US" sz="3600" b="1" strike="noStrike" spc="-1" dirty="0" smtClean="0">
+              <a:t>Next Steps</a:t>
+            </a:r>
+            <a:r>
+              <a:rPr lang="en-US" sz="3600" b="1" strike="noStrike" spc="-1" dirty="0">
                 <a:solidFill>
                   <a:schemeClr val="tx1">
                     <a:lumMod val="85000"/>
@@ -7637,85 +7652,8 @@
                 <a:ea typeface="Arial"/>
                 <a:cs typeface="PT Sans Narrow"/>
               </a:rPr>
-              <a:t>you</a:t>
-            </a:r>
-            <a:r>
-              <a:rPr lang="en-US" sz="3600" b="1" strike="noStrike" spc="-1" dirty="0" smtClean="0">
-                <a:solidFill>
-                  <a:schemeClr val="tx1">
-                    <a:lumMod val="85000"/>
-                    <a:lumOff val="15000"/>
-                  </a:schemeClr>
-                </a:solidFill>
-                <a:uFill>
-                  <a:solidFill>
-                    <a:srgbClr val="FFFFFF"/>
-                  </a:solidFill>
-                </a:uFill>
-                <a:latin typeface="PT Sans Narrow"/>
-                <a:ea typeface="Arial"/>
-                <a:cs typeface="PT Sans Narrow"/>
-              </a:rPr>
-              <a:t>! </a:t>
-            </a:r>
-            <a:r>
-              <a:rPr lang="en-US" sz="3600" b="1" strike="noStrike" spc="-1" dirty="0" smtClean="0">
-                <a:solidFill>
-                  <a:schemeClr val="tx1">
-                    <a:lumMod val="85000"/>
-                    <a:lumOff val="15000"/>
-                  </a:schemeClr>
-                </a:solidFill>
-                <a:uFill>
-                  <a:solidFill>
-                    <a:srgbClr val="FFFFFF"/>
-                  </a:solidFill>
-                </a:uFill>
-                <a:latin typeface="PT Sans Narrow"/>
-                <a:ea typeface="Arial"/>
-                <a:cs typeface="PT Sans Narrow"/>
-                <a:sym typeface="Wingdings"/>
-              </a:rPr>
-              <a:t> </a:t>
-            </a:r>
-            <a:r>
-              <a:rPr lang="en-US" sz="3600" b="1" strike="noStrike" spc="-1" dirty="0">
-                <a:solidFill>
-                  <a:schemeClr val="tx1">
-                    <a:lumMod val="85000"/>
-                    <a:lumOff val="15000"/>
-                  </a:schemeClr>
-                </a:solidFill>
-                <a:uFill>
-                  <a:solidFill>
-                    <a:srgbClr val="FFFFFF"/>
-                  </a:solidFill>
-                </a:uFill>
-                <a:latin typeface="PT Sans Narrow"/>
-                <a:ea typeface="Arial"/>
-                <a:cs typeface="PT Sans Narrow"/>
-              </a:rPr>
               <a:t>
 </a:t>
-            </a:r>
-            <a:r>
-              <a:rPr lang="en-US" sz="3600" b="1" strike="noStrike" spc="-1" dirty="0" smtClean="0">
-                <a:solidFill>
-                  <a:schemeClr val="tx1">
-                    <a:lumMod val="85000"/>
-                    <a:lumOff val="15000"/>
-                  </a:schemeClr>
-                </a:solidFill>
-                <a:uFill>
-                  <a:solidFill>
-                    <a:srgbClr val="FFFFFF"/>
-                  </a:solidFill>
-                </a:uFill>
-                <a:latin typeface="PT Sans Narrow"/>
-                <a:ea typeface="Arial"/>
-                <a:cs typeface="PT Sans Narrow"/>
-              </a:rPr>
-              <a:t> </a:t>
             </a:r>
             <a:endParaRPr lang="en-US" sz="3600" b="1" strike="noStrike" spc="-1" dirty="0">
               <a:solidFill>
@@ -7735,10 +7673,162 @@
           </a:p>
         </p:txBody>
       </p:sp>
+      <p:sp>
+        <p:nvSpPr>
+          <p:cNvPr id="83" name="TextShape 2"/>
+          <p:cNvSpPr txBox="1"/>
+          <p:nvPr/>
+        </p:nvSpPr>
+        <p:spPr>
+          <a:xfrm>
+            <a:off x="706008" y="1172303"/>
+            <a:ext cx="6924575" cy="3416040"/>
+          </a:xfrm>
+          <a:prstGeom prst="rect">
+            <a:avLst/>
+          </a:prstGeom>
+          <a:noFill/>
+          <a:ln>
+            <a:noFill/>
+          </a:ln>
+        </p:spPr>
+        <p:txBody>
+          <a:bodyPr tIns="91440" bIns="91440"/>
+          <a:lstStyle/>
+          <a:p>
+            <a:pPr marL="342900" lvl="0" indent="-342900">
+              <a:lnSpc>
+                <a:spcPct val="150000"/>
+              </a:lnSpc>
+              <a:buFont typeface="Arial" charset="0"/>
+              <a:buChar char="•"/>
+            </a:pPr>
+            <a:r>
+              <a:rPr lang="en-US" sz="2000" spc="-1" dirty="0" smtClean="0">
+                <a:solidFill>
+                  <a:schemeClr val="tx1">
+                    <a:lumMod val="65000"/>
+                    <a:lumOff val="35000"/>
+                  </a:schemeClr>
+                </a:solidFill>
+                <a:uFill>
+                  <a:solidFill>
+                    <a:srgbClr val="FFFFFF"/>
+                  </a:solidFill>
+                </a:uFill>
+                <a:latin typeface="PT Sans Narrow"/>
+                <a:ea typeface="Arial" charset="0"/>
+                <a:cs typeface="PT Sans Narrow"/>
+              </a:rPr>
+              <a:t>More data</a:t>
+            </a:r>
+          </a:p>
+          <a:p>
+            <a:pPr marL="800100" lvl="1" indent="-342900">
+              <a:lnSpc>
+                <a:spcPct val="150000"/>
+              </a:lnSpc>
+              <a:buFont typeface="Arial" charset="0"/>
+              <a:buChar char="•"/>
+            </a:pPr>
+            <a:r>
+              <a:rPr lang="en-US" sz="2000" spc="-1" dirty="0" smtClean="0">
+                <a:solidFill>
+                  <a:schemeClr val="tx1">
+                    <a:lumMod val="65000"/>
+                    <a:lumOff val="35000"/>
+                  </a:schemeClr>
+                </a:solidFill>
+                <a:uFill>
+                  <a:solidFill>
+                    <a:srgbClr val="FFFFFF"/>
+                  </a:solidFill>
+                </a:uFill>
+                <a:latin typeface="PT Sans Narrow"/>
+                <a:ea typeface="Arial" charset="0"/>
+                <a:cs typeface="PT Sans Narrow"/>
+              </a:rPr>
+              <a:t>Updated datasets, expanding current datasets, user input</a:t>
+            </a:r>
+            <a:endParaRPr lang="en-US" sz="2000" spc="-1" dirty="0">
+              <a:solidFill>
+                <a:schemeClr val="tx1">
+                  <a:lumMod val="65000"/>
+                  <a:lumOff val="35000"/>
+                </a:schemeClr>
+              </a:solidFill>
+              <a:uFill>
+                <a:solidFill>
+                  <a:srgbClr val="FFFFFF"/>
+                </a:solidFill>
+              </a:uFill>
+              <a:latin typeface="PT Sans Narrow"/>
+              <a:ea typeface="Arial" charset="0"/>
+              <a:cs typeface="PT Sans Narrow"/>
+            </a:endParaRPr>
+          </a:p>
+          <a:p>
+            <a:pPr marL="342900" indent="-342900">
+              <a:lnSpc>
+                <a:spcPct val="150000"/>
+              </a:lnSpc>
+              <a:buFont typeface="Arial" charset="0"/>
+              <a:buChar char="•"/>
+            </a:pPr>
+            <a:r>
+              <a:rPr lang="en-US" sz="2000" spc="-1" dirty="0" smtClean="0">
+                <a:solidFill>
+                  <a:schemeClr val="tx1">
+                    <a:lumMod val="65000"/>
+                    <a:lumOff val="35000"/>
+                  </a:schemeClr>
+                </a:solidFill>
+                <a:uFill>
+                  <a:solidFill>
+                    <a:srgbClr val="FFFFFF"/>
+                  </a:solidFill>
+                </a:uFill>
+                <a:latin typeface="PT Sans Narrow"/>
+                <a:ea typeface="Arial" charset="0"/>
+                <a:cs typeface="PT Sans Narrow"/>
+              </a:rPr>
+              <a:t>Dedicated databases/servers</a:t>
+            </a:r>
+          </a:p>
+          <a:p>
+            <a:pPr marL="342900" indent="-342900">
+              <a:lnSpc>
+                <a:spcPct val="150000"/>
+              </a:lnSpc>
+              <a:buFont typeface="Arial" charset="0"/>
+              <a:buChar char="•"/>
+            </a:pPr>
+            <a:r>
+              <a:rPr lang="en-US" sz="2000" spc="-1" dirty="0" smtClean="0">
+                <a:solidFill>
+                  <a:schemeClr val="tx1">
+                    <a:lumMod val="65000"/>
+                    <a:lumOff val="35000"/>
+                  </a:schemeClr>
+                </a:solidFill>
+                <a:uFill>
+                  <a:solidFill>
+                    <a:srgbClr val="FFFFFF"/>
+                  </a:solidFill>
+                </a:uFill>
+                <a:latin typeface="PT Sans Narrow"/>
+                <a:ea typeface="Arial" charset="0"/>
+                <a:cs typeface="PT Sans Narrow"/>
+              </a:rPr>
+              <a:t>Strong security measures</a:t>
+            </a:r>
+          </a:p>
+        </p:txBody>
+      </p:sp>
     </p:spTree>
     <p:extLst>
       <p:ext uri="{BB962C8B-B14F-4D97-AF65-F5344CB8AC3E}">
-        <p14:creationId xmlns:p14="http://schemas.microsoft.com/office/powerpoint/2010/main" val="1510966367"/>
+        <p14:creationId xmlns:p14="http://schemas.microsoft.com/office/powerpoint/2010/main" val="1764730204"/>
       </p:ext>
     </p:extLst>
   </p:cSld>
@@ -7748,7 +7838,7 @@
   <p:timing>
     <p:tnLst>
       <p:par>
-        <p:cTn xmlns:p14="http://schemas.microsoft.com/office/powerpoint/2010/main" id="1" dur="indefinite" restart="never" nodeType="tmRoot">
+        <p:cTn id="1" dur="indefinite" restart="never" nodeType="tmRoot">
           <p:childTnLst>
             <p:seq>
               <p:cTn id="2" nodeType="mainSeq"/>
@@ -7967,7 +8057,7 @@
   <a:extraClrSchemeLst/>
   <a:extLst>
     <a:ext uri="{05A4C25C-085E-4340-85A3-A5531E510DB2}">
-      <thm15:themeFamily xmlns:thm15="http://schemas.microsoft.com/office/thememl/2012/main" xmlns="" name="Crop" id="{EC9488ED-E761-4D60-9AC4-764D1FE2C171}" vid="{CE19780C-D67D-4C13-9DE9-A52BC3BA51B4}"/>
+      <thm15:themeFamily xmlns:thm15="http://schemas.microsoft.com/office/thememl/2012/main" name="Crop" id="{EC9488ED-E761-4D60-9AC4-764D1FE2C171}" vid="{CE19780C-D67D-4C13-9DE9-A52BC3BA51B4}"/>
     </a:ext>
   </a:extLst>
 </a:theme>
@@ -8228,7 +8318,7 @@
   <a:extraClrSchemeLst/>
   <a:extLst>
     <a:ext uri="{05A4C25C-085E-4340-85A3-A5531E510DB2}">
-      <thm15:themeFamily xmlns:thm15="http://schemas.microsoft.com/office/thememl/2012/main" xmlns="" name="Office Theme" id="{62F939B6-93AF-4DB8-9C6B-D6C7DFDC589F}" vid="{4A3C46E8-61CC-4603-A589-7422A47A8E4A}"/>
+      <thm15:themeFamily xmlns:thm15="http://schemas.microsoft.com/office/thememl/2012/main" name="Office Theme" id="{62F939B6-93AF-4DB8-9C6B-D6C7DFDC589F}" vid="{4A3C46E8-61CC-4603-A589-7422A47A8E4A}"/>
     </a:ext>
   </a:extLst>
 </a:theme>
